--- a/発表資料(鰯).pptx
+++ b/発表資料(鰯).pptx
@@ -9,7 +9,8 @@
     <p:sldId id="257" r:id="rId3"/>
     <p:sldId id="260" r:id="rId4"/>
     <p:sldId id="258" r:id="rId5"/>
-    <p:sldId id="259" r:id="rId6"/>
+    <p:sldId id="261" r:id="rId6"/>
+    <p:sldId id="259" r:id="rId7"/>
   </p:sldIdLst>
   <p:sldSz cx="12192000" cy="6858000"/>
   <p:notesSz cx="6858000" cy="9144000"/>
@@ -247,7 +248,7 @@
           <a:p>
             <a:fld id="{3BB2CD4D-FB0E-40CD-A9F6-80008C81F90D}" type="datetimeFigureOut">
               <a:rPr kumimoji="1" lang="ja-JP" altLang="en-US" smtClean="0"/>
-              <a:t>2017/4/9</a:t>
+              <a:t>2017/4/10</a:t>
             </a:fld>
             <a:endParaRPr kumimoji="1" lang="ja-JP" altLang="en-US"/>
           </a:p>
@@ -449,7 +450,7 @@
           <a:p>
             <a:fld id="{3BB2CD4D-FB0E-40CD-A9F6-80008C81F90D}" type="datetimeFigureOut">
               <a:rPr kumimoji="1" lang="ja-JP" altLang="en-US" smtClean="0"/>
-              <a:t>2017/4/9</a:t>
+              <a:t>2017/4/10</a:t>
             </a:fld>
             <a:endParaRPr kumimoji="1" lang="ja-JP" altLang="en-US"/>
           </a:p>
@@ -661,7 +662,7 @@
           <a:p>
             <a:fld id="{3BB2CD4D-FB0E-40CD-A9F6-80008C81F90D}" type="datetimeFigureOut">
               <a:rPr kumimoji="1" lang="ja-JP" altLang="en-US" smtClean="0"/>
-              <a:t>2017/4/9</a:t>
+              <a:t>2017/4/10</a:t>
             </a:fld>
             <a:endParaRPr kumimoji="1" lang="ja-JP" altLang="en-US"/>
           </a:p>
@@ -863,7 +864,7 @@
           <a:p>
             <a:fld id="{3BB2CD4D-FB0E-40CD-A9F6-80008C81F90D}" type="datetimeFigureOut">
               <a:rPr kumimoji="1" lang="ja-JP" altLang="en-US" smtClean="0"/>
-              <a:t>2017/4/9</a:t>
+              <a:t>2017/4/10</a:t>
             </a:fld>
             <a:endParaRPr kumimoji="1" lang="ja-JP" altLang="en-US"/>
           </a:p>
@@ -1109,7 +1110,7 @@
           <a:p>
             <a:fld id="{3BB2CD4D-FB0E-40CD-A9F6-80008C81F90D}" type="datetimeFigureOut">
               <a:rPr kumimoji="1" lang="ja-JP" altLang="en-US" smtClean="0"/>
-              <a:t>2017/4/9</a:t>
+              <a:t>2017/4/10</a:t>
             </a:fld>
             <a:endParaRPr kumimoji="1" lang="ja-JP" altLang="en-US"/>
           </a:p>
@@ -1405,7 +1406,7 @@
           <a:p>
             <a:fld id="{3BB2CD4D-FB0E-40CD-A9F6-80008C81F90D}" type="datetimeFigureOut">
               <a:rPr kumimoji="1" lang="ja-JP" altLang="en-US" smtClean="0"/>
-              <a:t>2017/4/9</a:t>
+              <a:t>2017/4/10</a:t>
             </a:fld>
             <a:endParaRPr kumimoji="1" lang="ja-JP" altLang="en-US"/>
           </a:p>
@@ -1836,7 +1837,7 @@
           <a:p>
             <a:fld id="{3BB2CD4D-FB0E-40CD-A9F6-80008C81F90D}" type="datetimeFigureOut">
               <a:rPr kumimoji="1" lang="ja-JP" altLang="en-US" smtClean="0"/>
-              <a:t>2017/4/9</a:t>
+              <a:t>2017/4/10</a:t>
             </a:fld>
             <a:endParaRPr kumimoji="1" lang="ja-JP" altLang="en-US"/>
           </a:p>
@@ -1954,7 +1955,7 @@
           <a:p>
             <a:fld id="{3BB2CD4D-FB0E-40CD-A9F6-80008C81F90D}" type="datetimeFigureOut">
               <a:rPr kumimoji="1" lang="ja-JP" altLang="en-US" smtClean="0"/>
-              <a:t>2017/4/9</a:t>
+              <a:t>2017/4/10</a:t>
             </a:fld>
             <a:endParaRPr kumimoji="1" lang="ja-JP" altLang="en-US"/>
           </a:p>
@@ -2049,7 +2050,7 @@
           <a:p>
             <a:fld id="{3BB2CD4D-FB0E-40CD-A9F6-80008C81F90D}" type="datetimeFigureOut">
               <a:rPr kumimoji="1" lang="ja-JP" altLang="en-US" smtClean="0"/>
-              <a:t>2017/4/9</a:t>
+              <a:t>2017/4/10</a:t>
             </a:fld>
             <a:endParaRPr kumimoji="1" lang="ja-JP" altLang="en-US"/>
           </a:p>
@@ -2358,7 +2359,7 @@
           <a:p>
             <a:fld id="{3BB2CD4D-FB0E-40CD-A9F6-80008C81F90D}" type="datetimeFigureOut">
               <a:rPr kumimoji="1" lang="ja-JP" altLang="en-US" smtClean="0"/>
-              <a:t>2017/4/9</a:t>
+              <a:t>2017/4/10</a:t>
             </a:fld>
             <a:endParaRPr kumimoji="1" lang="ja-JP" altLang="en-US"/>
           </a:p>
@@ -2611,7 +2612,7 @@
           <a:p>
             <a:fld id="{3BB2CD4D-FB0E-40CD-A9F6-80008C81F90D}" type="datetimeFigureOut">
               <a:rPr kumimoji="1" lang="ja-JP" altLang="en-US" smtClean="0"/>
-              <a:t>2017/4/9</a:t>
+              <a:t>2017/4/10</a:t>
             </a:fld>
             <a:endParaRPr kumimoji="1" lang="ja-JP" altLang="en-US"/>
           </a:p>
@@ -2911,7 +2912,7 @@
           <a:p>
             <a:fld id="{3BB2CD4D-FB0E-40CD-A9F6-80008C81F90D}" type="datetimeFigureOut">
               <a:rPr kumimoji="1" lang="ja-JP" altLang="en-US" smtClean="0"/>
-              <a:t>2017/4/9</a:t>
+              <a:t>2017/4/10</a:t>
             </a:fld>
             <a:endParaRPr kumimoji="1" lang="ja-JP" altLang="en-US"/>
           </a:p>
@@ -3338,11 +3339,7 @@
           <a:p>
             <a:r>
               <a:rPr kumimoji="1" lang="ja-JP" altLang="en-US" dirty="0" smtClean="0"/>
-              <a:t>鰯（</a:t>
-            </a:r>
-            <a:r>
-              <a:rPr kumimoji="1" lang="ja-JP" altLang="en-US" dirty="0" smtClean="0"/>
-              <a:t>仮）</a:t>
+              <a:t>鰯（仮）</a:t>
             </a:r>
             <a:endParaRPr kumimoji="1" lang="ja-JP" altLang="en-US" dirty="0"/>
           </a:p>
@@ -3606,13 +3603,13 @@
             <p:ph idx="1"/>
             <p:extLst>
               <p:ext uri="{D42A27DB-BD31-4B8C-83A1-F6EECF244321}">
-                <p14:modId xmlns:p14="http://schemas.microsoft.com/office/powerpoint/2010/main" val="810275627"/>
+                <p14:modId xmlns:p14="http://schemas.microsoft.com/office/powerpoint/2010/main" val="87713477"/>
               </p:ext>
             </p:extLst>
           </p:nvPr>
         </p:nvGraphicFramePr>
         <p:xfrm>
-          <a:off x="838200" y="1825623"/>
+          <a:off x="941235" y="1809303"/>
           <a:ext cx="10309530" cy="2452178"/>
         </p:xfrm>
         <a:graphic>
@@ -3632,7 +3629,7 @@
                     <a:bodyPr/>
                     <a:lstStyle/>
                     <a:p>
-                      <a:pPr algn="ctr"/>
+                      <a:pPr lvl="0" algn="ctr"/>
                       <a:r>
                         <a:rPr kumimoji="1" lang="ja-JP" altLang="en-US" sz="3600" dirty="0" smtClean="0"/>
                         <a:t>はさむもの</a:t>
@@ -3687,7 +3684,14 @@
                       <a:endParaRPr kumimoji="1" lang="ja-JP" altLang="en-US" sz="7200" dirty="0"/>
                     </a:p>
                   </a:txBody>
-                  <a:tcPr/>
+                  <a:tcPr>
+                    <a:solidFill>
+                      <a:schemeClr val="accent1">
+                        <a:lumMod val="20000"/>
+                        <a:lumOff val="80000"/>
+                      </a:schemeClr>
+                    </a:solidFill>
+                  </a:tcPr>
                 </a:tc>
                 <a:tc>
                   <a:txBody>
@@ -3702,7 +3706,14 @@
                       <a:endParaRPr kumimoji="1" lang="ja-JP" altLang="en-US" sz="7200" dirty="0"/>
                     </a:p>
                   </a:txBody>
-                  <a:tcPr/>
+                  <a:tcPr>
+                    <a:solidFill>
+                      <a:schemeClr val="accent1">
+                        <a:lumMod val="20000"/>
+                        <a:lumOff val="80000"/>
+                      </a:schemeClr>
+                    </a:solidFill>
+                  </a:tcPr>
                 </a:tc>
                 <a:tc>
                   <a:txBody>
@@ -3717,7 +3728,14 @@
                       <a:endParaRPr kumimoji="1" lang="ja-JP" altLang="en-US" sz="7200" dirty="0"/>
                     </a:p>
                   </a:txBody>
-                  <a:tcPr/>
+                  <a:tcPr>
+                    <a:solidFill>
+                      <a:schemeClr val="accent1">
+                        <a:lumMod val="20000"/>
+                        <a:lumOff val="80000"/>
+                      </a:schemeClr>
+                    </a:solidFill>
+                  </a:tcPr>
                 </a:tc>
               </a:tr>
             </a:tbl>
@@ -3937,7 +3955,7 @@
           <a:lstStyle/>
           <a:p>
             <a:r>
-              <a:rPr kumimoji="1" lang="ja-JP" altLang="en-US" dirty="0" smtClean="0">
+              <a:rPr lang="ja-JP" altLang="en-US" dirty="0" smtClean="0">
                 <a:effectLst>
                   <a:glow rad="228600">
                     <a:schemeClr val="accent5">
@@ -3947,33 +3965,7 @@
                   </a:glow>
                 </a:effectLst>
               </a:rPr>
-              <a:t>テーマ</a:t>
-            </a:r>
-            <a:r>
-              <a:rPr kumimoji="1" lang="en-US" altLang="ja-JP" dirty="0" smtClean="0">
-                <a:effectLst>
-                  <a:glow rad="228600">
-                    <a:schemeClr val="accent5">
-                      <a:satMod val="175000"/>
-                      <a:alpha val="40000"/>
-                    </a:schemeClr>
-                  </a:glow>
-                </a:effectLst>
-              </a:rPr>
-              <a:t>:</a:t>
-            </a:r>
-            <a:r>
-              <a:rPr kumimoji="1" lang="ja-JP" altLang="en-US" dirty="0" smtClean="0">
-                <a:effectLst>
-                  <a:glow rad="228600">
-                    <a:schemeClr val="accent5">
-                      <a:satMod val="175000"/>
-                      <a:alpha val="40000"/>
-                    </a:schemeClr>
-                  </a:glow>
-                </a:effectLst>
-              </a:rPr>
-              <a:t>はさむ</a:t>
+              <a:t>操作説明</a:t>
             </a:r>
             <a:endParaRPr kumimoji="1" lang="ja-JP" altLang="en-US" dirty="0">
               <a:effectLst>
@@ -3996,11 +3988,16 @@
           </p:cNvGraphicFramePr>
           <p:nvPr>
             <p:ph idx="1"/>
+            <p:extLst>
+              <p:ext uri="{D42A27DB-BD31-4B8C-83A1-F6EECF244321}">
+                <p14:modId xmlns:p14="http://schemas.microsoft.com/office/powerpoint/2010/main" val="1813494327"/>
+              </p:ext>
+            </p:extLst>
           </p:nvPr>
         </p:nvGraphicFramePr>
         <p:xfrm>
-          <a:off x="838200" y="1825623"/>
-          <a:ext cx="10309530" cy="2452178"/>
+          <a:off x="941235" y="1807062"/>
+          <a:ext cx="10309530" cy="3242920"/>
         </p:xfrm>
         <a:graphic>
           <a:graphicData uri="http://schemas.openxmlformats.org/drawingml/2006/table">
@@ -4013,7 +4010,7 @@
                 <a:gridCol w="3436510"/>
                 <a:gridCol w="3436510"/>
               </a:tblGrid>
-              <a:tr h="1226089">
+              <a:tr h="1061673">
                 <a:tc>
                   <a:txBody>
                     <a:bodyPr/>
@@ -4021,13 +4018,13 @@
                     <a:p>
                       <a:pPr algn="ctr"/>
                       <a:r>
-                        <a:rPr kumimoji="1" lang="ja-JP" altLang="en-US" sz="3600" dirty="0" smtClean="0"/>
-                        <a:t>はさむもの</a:t>
+                        <a:rPr kumimoji="1" lang="ja-JP" altLang="en-US" sz="4000" dirty="0" smtClean="0"/>
+                        <a:t>①</a:t>
                       </a:r>
-                      <a:endParaRPr kumimoji="1" lang="ja-JP" altLang="en-US" sz="3600" dirty="0"/>
+                      <a:endParaRPr kumimoji="1" lang="ja-JP" altLang="en-US" sz="4000" dirty="0"/>
                     </a:p>
                   </a:txBody>
-                  <a:tcPr/>
+                  <a:tcPr anchor="ctr"/>
                 </a:tc>
                 <a:tc>
                   <a:txBody>
@@ -4036,13 +4033,13 @@
                     <a:p>
                       <a:pPr algn="ctr"/>
                       <a:r>
-                        <a:rPr kumimoji="1" lang="ja-JP" altLang="en-US" sz="3600" dirty="0" smtClean="0"/>
-                        <a:t>はさまれるもの</a:t>
+                        <a:rPr kumimoji="1" lang="ja-JP" altLang="en-US" sz="4000" dirty="0" smtClean="0"/>
+                        <a:t>②</a:t>
                       </a:r>
-                      <a:endParaRPr kumimoji="1" lang="ja-JP" altLang="en-US" sz="3600" dirty="0"/>
+                      <a:endParaRPr kumimoji="1" lang="ja-JP" altLang="en-US" sz="4000" dirty="0"/>
                     </a:p>
                   </a:txBody>
-                  <a:tcPr/>
+                  <a:tcPr anchor="ctr"/>
                 </a:tc>
                 <a:tc>
                   <a:txBody>
@@ -4051,60 +4048,170 @@
                     <a:p>
                       <a:pPr algn="ctr"/>
                       <a:r>
-                        <a:rPr kumimoji="1" lang="ja-JP" altLang="en-US" sz="3600" dirty="0" smtClean="0"/>
-                        <a:t>背景</a:t>
+                        <a:rPr kumimoji="1" lang="ja-JP" altLang="en-US" sz="4000" dirty="0" smtClean="0"/>
+                        <a:t>③</a:t>
                       </a:r>
-                      <a:endParaRPr kumimoji="1" lang="ja-JP" altLang="en-US" sz="3600" dirty="0"/>
+                      <a:endParaRPr kumimoji="1" lang="ja-JP" altLang="en-US" sz="4000" dirty="0"/>
                     </a:p>
                   </a:txBody>
-                  <a:tcPr/>
+                  <a:tcPr anchor="ctr"/>
                 </a:tc>
               </a:tr>
-              <a:tr h="1226089">
+              <a:tr h="2181247">
                 <a:tc>
                   <a:txBody>
                     <a:bodyPr/>
                     <a:lstStyle/>
                     <a:p>
-                      <a:pPr algn="ctr"/>
+                      <a:pPr marL="0" marR="0" lvl="0" indent="0" algn="l" defTabSz="914400" rtl="0" eaLnBrk="1" fontAlgn="auto" latinLnBrk="0" hangingPunct="1">
+                        <a:lnSpc>
+                          <a:spcPct val="100000"/>
+                        </a:lnSpc>
+                        <a:spcBef>
+                          <a:spcPts val="0"/>
+                        </a:spcBef>
+                        <a:spcAft>
+                          <a:spcPts val="0"/>
+                        </a:spcAft>
+                        <a:buClrTx/>
+                        <a:buSzTx/>
+                        <a:buFontTx/>
+                        <a:buNone/>
+                        <a:tabLst/>
+                        <a:defRPr/>
+                      </a:pPr>
                       <a:r>
-                        <a:rPr kumimoji="1" lang="ja-JP" altLang="en-US" sz="7200" dirty="0" smtClean="0"/>
-                        <a:t>音</a:t>
+                        <a:rPr kumimoji="1" lang="ja-JP" altLang="en-US" sz="2400" smtClean="0"/>
+                        <a:t>鰯が泳いできます</a:t>
                       </a:r>
-                      <a:endParaRPr kumimoji="1" lang="ja-JP" altLang="en-US" sz="7200" dirty="0"/>
+                      <a:endParaRPr kumimoji="1" lang="en-US" altLang="ja-JP" sz="2400" smtClean="0"/>
+                    </a:p>
+                    <a:p>
+                      <a:pPr marL="0" marR="0" lvl="0" indent="0" algn="l" defTabSz="914400" rtl="0" eaLnBrk="1" fontAlgn="auto" latinLnBrk="0" hangingPunct="1">
+                        <a:lnSpc>
+                          <a:spcPct val="100000"/>
+                        </a:lnSpc>
+                        <a:spcBef>
+                          <a:spcPts val="0"/>
+                        </a:spcBef>
+                        <a:spcAft>
+                          <a:spcPts val="0"/>
+                        </a:spcAft>
+                        <a:buClrTx/>
+                        <a:buSzTx/>
+                        <a:buFontTx/>
+                        <a:buNone/>
+                        <a:tabLst/>
+                        <a:defRPr/>
+                      </a:pPr>
+                      <a:r>
+                        <a:rPr kumimoji="1" lang="ja-JP" altLang="en-US" sz="2400" b="0" smtClean="0">
+                          <a:solidFill>
+                            <a:schemeClr val="tx1"/>
+                          </a:solidFill>
+                          <a:latin typeface="+mn-ea"/>
+                          <a:ea typeface="+mn-ea"/>
+                        </a:rPr>
+                        <a:t>２人でよりたくさんの鰯を捕まえてください</a:t>
+                      </a:r>
+                    </a:p>
+                    <a:p>
+                      <a:pPr algn="l"/>
+                      <a:endParaRPr kumimoji="1" lang="ja-JP" altLang="en-US" sz="2400" dirty="0"/>
                     </a:p>
                   </a:txBody>
-                  <a:tcPr/>
+                  <a:tcPr>
+                    <a:solidFill>
+                      <a:schemeClr val="accent1">
+                        <a:lumMod val="20000"/>
+                        <a:lumOff val="80000"/>
+                      </a:schemeClr>
+                    </a:solidFill>
+                  </a:tcPr>
                 </a:tc>
                 <a:tc>
                   <a:txBody>
                     <a:bodyPr/>
                     <a:lstStyle/>
                     <a:p>
-                      <a:pPr algn="ctr"/>
+                      <a:pPr algn="l"/>
                       <a:r>
-                        <a:rPr kumimoji="1" lang="ja-JP" altLang="en-US" sz="7200" dirty="0" smtClean="0"/>
-                        <a:t>鰯</a:t>
+                        <a:rPr kumimoji="1" lang="ja-JP" altLang="en-US" sz="2400" smtClean="0"/>
+                        <a:t>２人のプレイヤーは画面両端をタッチして音を飛ばします</a:t>
                       </a:r>
-                      <a:endParaRPr kumimoji="1" lang="ja-JP" altLang="en-US" sz="7200" dirty="0"/>
+                      <a:endParaRPr kumimoji="1" lang="ja-JP" altLang="en-US" sz="2400" dirty="0"/>
                     </a:p>
                   </a:txBody>
-                  <a:tcPr/>
+                  <a:tcPr>
+                    <a:solidFill>
+                      <a:schemeClr val="accent1">
+                        <a:lumMod val="20000"/>
+                        <a:lumOff val="80000"/>
+                      </a:schemeClr>
+                    </a:solidFill>
+                  </a:tcPr>
                 </a:tc>
                 <a:tc>
                   <a:txBody>
                     <a:bodyPr/>
                     <a:lstStyle/>
                     <a:p>
-                      <a:pPr algn="ctr"/>
+                      <a:pPr algn="l"/>
                       <a:r>
-                        <a:rPr kumimoji="1" lang="ja-JP" altLang="en-US" sz="7200" dirty="0" smtClean="0"/>
-                        <a:t>海</a:t>
+                        <a:rPr kumimoji="1" lang="ja-JP" altLang="en-US" sz="2400" dirty="0" smtClean="0"/>
+                        <a:t>音で鰯をはさむと捕まえることができます</a:t>
                       </a:r>
-                      <a:endParaRPr kumimoji="1" lang="ja-JP" altLang="en-US" sz="7200" dirty="0"/>
+                      <a:endParaRPr kumimoji="1" lang="en-US" altLang="ja-JP" sz="2400" dirty="0" smtClean="0"/>
+                    </a:p>
+                    <a:p>
+                      <a:pPr marL="0" marR="0" lvl="0" indent="0" algn="l" defTabSz="914400" rtl="0" eaLnBrk="1" fontAlgn="auto" latinLnBrk="0" hangingPunct="1">
+                        <a:lnSpc>
+                          <a:spcPct val="100000"/>
+                        </a:lnSpc>
+                        <a:spcBef>
+                          <a:spcPts val="0"/>
+                        </a:spcBef>
+                        <a:spcAft>
+                          <a:spcPts val="0"/>
+                        </a:spcAft>
+                        <a:buClrTx/>
+                        <a:buSzTx/>
+                        <a:buFontTx/>
+                        <a:buNone/>
+                        <a:tabLst/>
+                        <a:defRPr/>
+                      </a:pPr>
+                      <a:r>
+                        <a:rPr kumimoji="1" lang="ja-JP" altLang="en-US" sz="2400" b="0" dirty="0" smtClean="0">
+                          <a:solidFill>
+                            <a:schemeClr val="tx1"/>
+                          </a:solidFill>
+                          <a:latin typeface="+mn-ea"/>
+                          <a:ea typeface="+mn-ea"/>
+                        </a:rPr>
+                        <a:t>鰯の数によってスコアが違います</a:t>
+                      </a:r>
+                      <a:endParaRPr kumimoji="1" lang="en-US" altLang="ja-JP" sz="2400" b="0" dirty="0" smtClean="0">
+                        <a:solidFill>
+                          <a:srgbClr val="C00000"/>
+                        </a:solidFill>
+                        <a:latin typeface="+mn-ea"/>
+                        <a:ea typeface="+mn-ea"/>
+                      </a:endParaRPr>
+                    </a:p>
+                    <a:p>
+                      <a:pPr algn="l"/>
+                      <a:endParaRPr kumimoji="1" lang="ja-JP" altLang="en-US" sz="2400" dirty="0"/>
                     </a:p>
                   </a:txBody>
-                  <a:tcPr/>
+                  <a:tcPr>
+                    <a:solidFill>
+                      <a:schemeClr val="accent1">
+                        <a:lumMod val="20000"/>
+                        <a:lumOff val="80000"/>
+                      </a:schemeClr>
+                    </a:solidFill>
+                  </a:tcPr>
                 </a:tc>
               </a:tr>
             </a:tbl>
@@ -4113,44 +4220,14 @@
       </p:graphicFrame>
       <p:pic>
         <p:nvPicPr>
-          <p:cNvPr id="5" name="図 4"/>
-          <p:cNvPicPr>
-            <a:picLocks noChangeAspect="1"/>
-          </p:cNvPicPr>
-          <p:nvPr/>
-        </p:nvPicPr>
-        <p:blipFill>
-          <a:blip r:embed="rId3">
-            <a:extLst>
-              <a:ext uri="{28A0092B-C50C-407E-A947-70E740481C1C}">
-                <a14:useLocalDpi xmlns:a14="http://schemas.microsoft.com/office/drawing/2010/main" val="0"/>
-              </a:ext>
-            </a:extLst>
-          </a:blip>
-          <a:stretch>
-            <a:fillRect/>
-          </a:stretch>
-        </p:blipFill>
-        <p:spPr>
-          <a:xfrm>
-            <a:off x="2095439" y="4917164"/>
-            <a:ext cx="1191214" cy="1191214"/>
-          </a:xfrm>
-          <a:prstGeom prst="rect">
-            <a:avLst/>
-          </a:prstGeom>
-        </p:spPr>
-      </p:pic>
-      <p:pic>
-        <p:nvPicPr>
-          <p:cNvPr id="6" name="図 5"/>
+          <p:cNvPr id="12" name="図 11"/>
           <p:cNvPicPr>
             <a:picLocks noChangeAspect="1"/>
           </p:cNvPicPr>
           <p:nvPr/>
         </p:nvPicPr>
         <p:blipFill rotWithShape="1">
-          <a:blip r:embed="rId4">
+          <a:blip r:embed="rId3">
             <a:extLst>
               <a:ext uri="{28A0092B-C50C-407E-A947-70E740481C1C}">
                 <a14:useLocalDpi xmlns:a14="http://schemas.microsoft.com/office/drawing/2010/main" val="0"/>
@@ -4162,38 +4239,8 @@
         </p:blipFill>
         <p:spPr>
           <a:xfrm>
-            <a:off x="4575027" y="4713198"/>
-            <a:ext cx="3041946" cy="1395180"/>
-          </a:xfrm>
-          <a:prstGeom prst="rect">
-            <a:avLst/>
-          </a:prstGeom>
-        </p:spPr>
-      </p:pic>
-      <p:pic>
-        <p:nvPicPr>
-          <p:cNvPr id="7" name="図 6"/>
-          <p:cNvPicPr>
-            <a:picLocks noChangeAspect="1"/>
-          </p:cNvPicPr>
-          <p:nvPr/>
-        </p:nvPicPr>
-        <p:blipFill>
-          <a:blip r:embed="rId5" cstate="print">
-            <a:extLst>
-              <a:ext uri="{28A0092B-C50C-407E-A947-70E740481C1C}">
-                <a14:useLocalDpi xmlns:a14="http://schemas.microsoft.com/office/drawing/2010/main" val="0"/>
-              </a:ext>
-            </a:extLst>
-          </a:blip>
-          <a:stretch>
-            <a:fillRect/>
-          </a:stretch>
-        </p:blipFill>
-        <p:spPr>
-          <a:xfrm>
-            <a:off x="7910393" y="4444044"/>
-            <a:ext cx="3017584" cy="2137455"/>
+            <a:off x="6542810" y="5302175"/>
+            <a:ext cx="2757054" cy="1264516"/>
           </a:xfrm>
           <a:prstGeom prst="rect">
             <a:avLst/>
@@ -4573,6 +4620,253 @@
 </file>
 
 <file path=ppt/slides/slide5.xml><?xml version="1.0" encoding="utf-8"?>
+<p:sld xmlns:a="http://schemas.openxmlformats.org/drawingml/2006/main" xmlns:r="http://schemas.openxmlformats.org/officeDocument/2006/relationships" xmlns:p="http://schemas.openxmlformats.org/presentationml/2006/main">
+  <p:cSld>
+    <p:spTree>
+      <p:nvGrpSpPr>
+        <p:cNvPr id="1" name=""/>
+        <p:cNvGrpSpPr/>
+        <p:nvPr/>
+      </p:nvGrpSpPr>
+      <p:grpSpPr>
+        <a:xfrm>
+          <a:off x="0" y="0"/>
+          <a:ext cx="0" cy="0"/>
+          <a:chOff x="0" y="0"/>
+          <a:chExt cx="0" cy="0"/>
+        </a:xfrm>
+      </p:grpSpPr>
+      <p:sp>
+        <p:nvSpPr>
+          <p:cNvPr id="2" name="タイトル 1"/>
+          <p:cNvSpPr>
+            <a:spLocks noGrp="1"/>
+          </p:cNvSpPr>
+          <p:nvPr>
+            <p:ph type="title"/>
+          </p:nvPr>
+        </p:nvSpPr>
+        <p:spPr/>
+        <p:txBody>
+          <a:bodyPr/>
+          <a:lstStyle/>
+          <a:p>
+            <a:endParaRPr kumimoji="1" lang="ja-JP" altLang="en-US" dirty="0"/>
+          </a:p>
+        </p:txBody>
+      </p:sp>
+      <p:sp>
+        <p:nvSpPr>
+          <p:cNvPr id="11" name="正方形/長方形 10"/>
+          <p:cNvSpPr/>
+          <p:nvPr/>
+        </p:nvSpPr>
+        <p:spPr>
+          <a:xfrm>
+            <a:off x="0" y="0"/>
+            <a:ext cx="12192000" cy="1690688"/>
+          </a:xfrm>
+          <a:prstGeom prst="rect">
+            <a:avLst/>
+          </a:prstGeom>
+          <a:blipFill>
+            <a:blip r:embed="rId2"/>
+            <a:tile tx="0" ty="0" sx="100000" sy="100000" flip="none" algn="tl"/>
+          </a:blipFill>
+          <a:ln>
+            <a:noFill/>
+          </a:ln>
+          <a:effectLst>
+            <a:outerShdw blurRad="107950" dist="12700" dir="5400000" algn="ctr">
+              <a:srgbClr val="000000"/>
+            </a:outerShdw>
+          </a:effectLst>
+          <a:scene3d>
+            <a:camera prst="orthographicFront">
+              <a:rot lat="0" lon="0" rev="0"/>
+            </a:camera>
+            <a:lightRig rig="soft" dir="t">
+              <a:rot lat="0" lon="0" rev="0"/>
+            </a:lightRig>
+          </a:scene3d>
+          <a:sp3d contourW="44450" prstMaterial="matte">
+            <a:bevelT w="63500" h="63500" prst="artDeco"/>
+            <a:contourClr>
+              <a:srgbClr val="FFFFFF"/>
+            </a:contourClr>
+          </a:sp3d>
+        </p:spPr>
+        <p:style>
+          <a:lnRef idx="2">
+            <a:schemeClr val="accent1">
+              <a:shade val="50000"/>
+            </a:schemeClr>
+          </a:lnRef>
+          <a:fillRef idx="1">
+            <a:schemeClr val="accent1"/>
+          </a:fillRef>
+          <a:effectRef idx="0">
+            <a:schemeClr val="accent1"/>
+          </a:effectRef>
+          <a:fontRef idx="minor">
+            <a:schemeClr val="lt1"/>
+          </a:fontRef>
+        </p:style>
+        <p:txBody>
+          <a:bodyPr rtlCol="0" anchor="ctr"/>
+          <a:lstStyle/>
+          <a:p>
+            <a:pPr algn="ctr"/>
+            <a:endParaRPr kumimoji="1" lang="ja-JP" altLang="en-US"/>
+          </a:p>
+        </p:txBody>
+      </p:sp>
+      <p:sp>
+        <p:nvSpPr>
+          <p:cNvPr id="12" name="タイトル 1"/>
+          <p:cNvSpPr txBox="1">
+            <a:spLocks/>
+          </p:cNvSpPr>
+          <p:nvPr/>
+        </p:nvSpPr>
+        <p:spPr>
+          <a:xfrm>
+            <a:off x="838200" y="182562"/>
+            <a:ext cx="10515600" cy="1325563"/>
+          </a:xfrm>
+          <a:prstGeom prst="rect">
+            <a:avLst/>
+          </a:prstGeom>
+        </p:spPr>
+        <p:txBody>
+          <a:bodyPr vert="horz" lIns="91440" tIns="45720" rIns="91440" bIns="45720" rtlCol="0" anchor="ctr">
+            <a:normAutofit/>
+          </a:bodyPr>
+          <a:lstStyle>
+            <a:lvl1pPr algn="l" defTabSz="914400" rtl="0" eaLnBrk="1" latinLnBrk="0" hangingPunct="1">
+              <a:lnSpc>
+                <a:spcPct val="90000"/>
+              </a:lnSpc>
+              <a:spcBef>
+                <a:spcPct val="0"/>
+              </a:spcBef>
+              <a:buNone/>
+              <a:defRPr kumimoji="1" sz="4400" kern="1200">
+                <a:solidFill>
+                  <a:schemeClr val="tx1"/>
+                </a:solidFill>
+                <a:latin typeface="+mj-lt"/>
+                <a:ea typeface="+mj-ea"/>
+                <a:cs typeface="+mj-cs"/>
+              </a:defRPr>
+            </a:lvl1pPr>
+          </a:lstStyle>
+          <a:p>
+            <a:r>
+              <a:rPr lang="ja-JP" altLang="en-US" dirty="0" smtClean="0">
+                <a:effectLst>
+                  <a:glow rad="228600">
+                    <a:schemeClr val="accent5">
+                      <a:satMod val="175000"/>
+                      <a:alpha val="40000"/>
+                    </a:schemeClr>
+                  </a:glow>
+                </a:effectLst>
+              </a:rPr>
+              <a:t>まとめ・反省</a:t>
+            </a:r>
+            <a:endParaRPr lang="ja-JP" altLang="en-US" dirty="0">
+              <a:effectLst>
+                <a:glow rad="228600">
+                  <a:schemeClr val="accent5">
+                    <a:satMod val="175000"/>
+                    <a:alpha val="40000"/>
+                  </a:schemeClr>
+                </a:glow>
+              </a:effectLst>
+            </a:endParaRPr>
+          </a:p>
+        </p:txBody>
+      </p:sp>
+      <p:graphicFrame>
+        <p:nvGraphicFramePr>
+          <p:cNvPr id="3" name="表 2"/>
+          <p:cNvGraphicFramePr>
+            <a:graphicFrameLocks noGrp="1"/>
+          </p:cNvGraphicFramePr>
+          <p:nvPr>
+            <p:extLst>
+              <p:ext uri="{D42A27DB-BD31-4B8C-83A1-F6EECF244321}">
+                <p14:modId xmlns:p14="http://schemas.microsoft.com/office/powerpoint/2010/main" val="705216201"/>
+              </p:ext>
+            </p:extLst>
+          </p:nvPr>
+        </p:nvGraphicFramePr>
+        <p:xfrm>
+          <a:off x="1018309" y="1873250"/>
+          <a:ext cx="10151918" cy="4371685"/>
+        </p:xfrm>
+        <a:graphic>
+          <a:graphicData uri="http://schemas.openxmlformats.org/drawingml/2006/table">
+            <a:tbl>
+              <a:tblPr firstRow="1" bandRow="1">
+                <a:tableStyleId>{5C22544A-7EE6-4342-B048-85BDC9FD1C3A}</a:tableStyleId>
+              </a:tblPr>
+              <a:tblGrid>
+                <a:gridCol w="10151918"/>
+              </a:tblGrid>
+              <a:tr h="4371685">
+                <a:tc>
+                  <a:txBody>
+                    <a:bodyPr/>
+                    <a:lstStyle/>
+                    <a:p>
+                      <a:pPr marL="285750" indent="-285750">
+                        <a:buFont typeface="Arial" panose="020B0604020202020204" pitchFamily="34" charset="0"/>
+                        <a:buChar char="•"/>
+                      </a:pPr>
+                      <a:endParaRPr kumimoji="1" lang="ja-JP" altLang="en-US" sz="2200" dirty="0">
+                        <a:solidFill>
+                          <a:schemeClr val="tx1"/>
+                        </a:solidFill>
+                      </a:endParaRPr>
+                    </a:p>
+                  </a:txBody>
+                  <a:tcPr>
+                    <a:solidFill>
+                      <a:schemeClr val="accent1">
+                        <a:lumMod val="40000"/>
+                        <a:lumOff val="60000"/>
+                      </a:schemeClr>
+                    </a:solidFill>
+                  </a:tcPr>
+                </a:tc>
+              </a:tr>
+            </a:tbl>
+          </a:graphicData>
+        </a:graphic>
+      </p:graphicFrame>
+    </p:spTree>
+    <p:extLst>
+      <p:ext uri="{BB962C8B-B14F-4D97-AF65-F5344CB8AC3E}">
+        <p14:creationId xmlns:p14="http://schemas.microsoft.com/office/powerpoint/2010/main" val="430987611"/>
+      </p:ext>
+    </p:extLst>
+  </p:cSld>
+  <p:clrMapOvr>
+    <a:masterClrMapping/>
+  </p:clrMapOvr>
+  <p:timing>
+    <p:tnLst>
+      <p:par>
+        <p:cTn id="1" dur="indefinite" restart="never" nodeType="tmRoot"/>
+      </p:par>
+    </p:tnLst>
+  </p:timing>
+</p:sld>
+</file>
+
+<file path=ppt/slides/slide6.xml><?xml version="1.0" encoding="utf-8"?>
 <p:sld xmlns:a="http://schemas.openxmlformats.org/drawingml/2006/main" xmlns:r="http://schemas.openxmlformats.org/officeDocument/2006/relationships" xmlns:p="http://schemas.openxmlformats.org/presentationml/2006/main">
   <p:cSld>
     <p:spTree>

--- a/発表資料(鰯).pptx
+++ b/発表資料(鰯).pptx
@@ -4312,7 +4312,7 @@
           <p:nvPr>
             <p:extLst>
               <p:ext uri="{D42A27DB-BD31-4B8C-83A1-F6EECF244321}">
-                <p14:modId xmlns:p14="http://schemas.microsoft.com/office/powerpoint/2010/main" val="1756742310"/>
+                <p14:modId xmlns:p14="http://schemas.microsoft.com/office/powerpoint/2010/main" val="3053160310"/>
               </p:ext>
             </p:extLst>
           </p:nvPr>
@@ -4420,7 +4420,18 @@
                     <a:p>
                       <a:r>
                         <a:rPr kumimoji="1" lang="ja-JP" altLang="en-US" sz="2800" dirty="0" smtClean="0"/>
-                        <a:t>リザルト、タイトルシーン</a:t>
+                        <a:t>リザルト、</a:t>
+                      </a:r>
+                      <a:r>
+                        <a:rPr kumimoji="1" lang="ja-JP" altLang="en-US" sz="2800" dirty="0" smtClean="0"/>
+                        <a:t>タイトルシーン、</a:t>
+                      </a:r>
+                      <a:endParaRPr kumimoji="1" lang="en-US" altLang="ja-JP" sz="2800" dirty="0" smtClean="0"/>
+                    </a:p>
+                    <a:p>
+                      <a:r>
+                        <a:rPr kumimoji="1" lang="en-US" altLang="ja-JP" sz="2800" dirty="0" smtClean="0"/>
+                        <a:t>UI</a:t>
                       </a:r>
                       <a:endParaRPr kumimoji="1" lang="ja-JP" altLang="en-US" sz="2800" dirty="0"/>
                     </a:p>
@@ -4797,7 +4808,7 @@
           <p:nvPr>
             <p:extLst>
               <p:ext uri="{D42A27DB-BD31-4B8C-83A1-F6EECF244321}">
-                <p14:modId xmlns:p14="http://schemas.microsoft.com/office/powerpoint/2010/main" val="705216201"/>
+                <p14:modId xmlns:p14="http://schemas.microsoft.com/office/powerpoint/2010/main" val="3758043961"/>
               </p:ext>
             </p:extLst>
           </p:nvPr>
@@ -4821,9 +4832,9 @@
                     <a:bodyPr/>
                     <a:lstStyle/>
                     <a:p>
-                      <a:pPr marL="285750" indent="-285750">
+                      <a:pPr marL="0" indent="0">
                         <a:buFont typeface="Arial" panose="020B0604020202020204" pitchFamily="34" charset="0"/>
-                        <a:buChar char="•"/>
+                        <a:buNone/>
                       </a:pPr>
                       <a:endParaRPr kumimoji="1" lang="ja-JP" altLang="en-US" sz="2200" dirty="0">
                         <a:solidFill>

--- a/発表資料(鰯).pptx
+++ b/発表資料(鰯).pptx
@@ -4312,7 +4312,7 @@
           <p:nvPr>
             <p:extLst>
               <p:ext uri="{D42A27DB-BD31-4B8C-83A1-F6EECF244321}">
-                <p14:modId xmlns:p14="http://schemas.microsoft.com/office/powerpoint/2010/main" val="3053160310"/>
+                <p14:modId xmlns:p14="http://schemas.microsoft.com/office/powerpoint/2010/main" val="1769425482"/>
               </p:ext>
             </p:extLst>
           </p:nvPr>
@@ -4352,15 +4352,16 @@
                     <a:lstStyle/>
                     <a:p>
                       <a:r>
-                        <a:rPr kumimoji="1" lang="ja-JP" altLang="en-US" sz="2800" b="0" dirty="0" smtClean="0"/>
-                        <a:t>音波部分</a:t>
+                        <a:rPr kumimoji="1" lang="en-US" altLang="ja-JP" sz="2800" b="0" dirty="0" smtClean="0"/>
+                        <a:t>android</a:t>
                       </a:r>
-                      <a:endParaRPr kumimoji="1" lang="en-US" altLang="ja-JP" sz="2800" b="0" dirty="0" smtClean="0"/>
-                    </a:p>
-                    <a:p>
+                      <a:r>
+                        <a:rPr kumimoji="1" lang="ja-JP" altLang="en-US" sz="2800" b="0" dirty="0" err="1" smtClean="0"/>
+                        <a:t>での</a:t>
+                      </a:r>
                       <a:r>
                         <a:rPr kumimoji="1" lang="ja-JP" altLang="en-US" sz="2800" b="0" dirty="0" smtClean="0"/>
-                        <a:t>全体のまとめ</a:t>
+                        <a:t>実装、プレイシーン全般</a:t>
                       </a:r>
                       <a:endParaRPr kumimoji="1" lang="ja-JP" altLang="en-US" sz="2800" b="0" dirty="0"/>
                     </a:p>
@@ -4419,18 +4420,11 @@
                     <a:lstStyle/>
                     <a:p>
                       <a:r>
-                        <a:rPr kumimoji="1" lang="ja-JP" altLang="en-US" sz="2800" dirty="0" smtClean="0"/>
-                        <a:t>リザルト、</a:t>
+                        <a:rPr kumimoji="1" lang="ja-JP" altLang="en-US" sz="2800" smtClean="0"/>
+                        <a:t>タイトルシーン、リザルトシーン、</a:t>
                       </a:r>
                       <a:r>
-                        <a:rPr kumimoji="1" lang="ja-JP" altLang="en-US" sz="2800" dirty="0" smtClean="0"/>
-                        <a:t>タイトルシーン、</a:t>
-                      </a:r>
-                      <a:endParaRPr kumimoji="1" lang="en-US" altLang="ja-JP" sz="2800" dirty="0" smtClean="0"/>
-                    </a:p>
-                    <a:p>
-                      <a:r>
-                        <a:rPr kumimoji="1" lang="en-US" altLang="ja-JP" sz="2800" dirty="0" smtClean="0"/>
+                        <a:rPr kumimoji="1" lang="en-US" altLang="ja-JP" sz="2800" smtClean="0"/>
                         <a:t>UI</a:t>
                       </a:r>
                       <a:endParaRPr kumimoji="1" lang="ja-JP" altLang="en-US" sz="2800" dirty="0"/>

--- a/発表資料(鰯).pptx
+++ b/発表資料(鰯).pptx
@@ -6,11 +6,14 @@
   </p:sldMasterIdLst>
   <p:sldIdLst>
     <p:sldId id="256" r:id="rId2"/>
-    <p:sldId id="257" r:id="rId3"/>
-    <p:sldId id="260" r:id="rId4"/>
-    <p:sldId id="258" r:id="rId5"/>
-    <p:sldId id="261" r:id="rId6"/>
-    <p:sldId id="259" r:id="rId7"/>
+    <p:sldId id="265" r:id="rId3"/>
+    <p:sldId id="257" r:id="rId4"/>
+    <p:sldId id="264" r:id="rId5"/>
+    <p:sldId id="260" r:id="rId6"/>
+    <p:sldId id="258" r:id="rId7"/>
+    <p:sldId id="261" r:id="rId8"/>
+    <p:sldId id="262" r:id="rId9"/>
+    <p:sldId id="259" r:id="rId10"/>
   </p:sldIdLst>
   <p:sldSz cx="12192000" cy="6858000"/>
   <p:notesSz cx="6858000" cy="9144000"/>
@@ -248,7 +251,7 @@
           <a:p>
             <a:fld id="{3BB2CD4D-FB0E-40CD-A9F6-80008C81F90D}" type="datetimeFigureOut">
               <a:rPr kumimoji="1" lang="ja-JP" altLang="en-US" smtClean="0"/>
-              <a:t>2017/4/10</a:t>
+              <a:t>2017/4/11</a:t>
             </a:fld>
             <a:endParaRPr kumimoji="1" lang="ja-JP" altLang="en-US"/>
           </a:p>
@@ -450,7 +453,7 @@
           <a:p>
             <a:fld id="{3BB2CD4D-FB0E-40CD-A9F6-80008C81F90D}" type="datetimeFigureOut">
               <a:rPr kumimoji="1" lang="ja-JP" altLang="en-US" smtClean="0"/>
-              <a:t>2017/4/10</a:t>
+              <a:t>2017/4/11</a:t>
             </a:fld>
             <a:endParaRPr kumimoji="1" lang="ja-JP" altLang="en-US"/>
           </a:p>
@@ -662,7 +665,7 @@
           <a:p>
             <a:fld id="{3BB2CD4D-FB0E-40CD-A9F6-80008C81F90D}" type="datetimeFigureOut">
               <a:rPr kumimoji="1" lang="ja-JP" altLang="en-US" smtClean="0"/>
-              <a:t>2017/4/10</a:t>
+              <a:t>2017/4/11</a:t>
             </a:fld>
             <a:endParaRPr kumimoji="1" lang="ja-JP" altLang="en-US"/>
           </a:p>
@@ -864,7 +867,7 @@
           <a:p>
             <a:fld id="{3BB2CD4D-FB0E-40CD-A9F6-80008C81F90D}" type="datetimeFigureOut">
               <a:rPr kumimoji="1" lang="ja-JP" altLang="en-US" smtClean="0"/>
-              <a:t>2017/4/10</a:t>
+              <a:t>2017/4/11</a:t>
             </a:fld>
             <a:endParaRPr kumimoji="1" lang="ja-JP" altLang="en-US"/>
           </a:p>
@@ -1110,7 +1113,7 @@
           <a:p>
             <a:fld id="{3BB2CD4D-FB0E-40CD-A9F6-80008C81F90D}" type="datetimeFigureOut">
               <a:rPr kumimoji="1" lang="ja-JP" altLang="en-US" smtClean="0"/>
-              <a:t>2017/4/10</a:t>
+              <a:t>2017/4/11</a:t>
             </a:fld>
             <a:endParaRPr kumimoji="1" lang="ja-JP" altLang="en-US"/>
           </a:p>
@@ -1406,7 +1409,7 @@
           <a:p>
             <a:fld id="{3BB2CD4D-FB0E-40CD-A9F6-80008C81F90D}" type="datetimeFigureOut">
               <a:rPr kumimoji="1" lang="ja-JP" altLang="en-US" smtClean="0"/>
-              <a:t>2017/4/10</a:t>
+              <a:t>2017/4/11</a:t>
             </a:fld>
             <a:endParaRPr kumimoji="1" lang="ja-JP" altLang="en-US"/>
           </a:p>
@@ -1837,7 +1840,7 @@
           <a:p>
             <a:fld id="{3BB2CD4D-FB0E-40CD-A9F6-80008C81F90D}" type="datetimeFigureOut">
               <a:rPr kumimoji="1" lang="ja-JP" altLang="en-US" smtClean="0"/>
-              <a:t>2017/4/10</a:t>
+              <a:t>2017/4/11</a:t>
             </a:fld>
             <a:endParaRPr kumimoji="1" lang="ja-JP" altLang="en-US"/>
           </a:p>
@@ -1955,7 +1958,7 @@
           <a:p>
             <a:fld id="{3BB2CD4D-FB0E-40CD-A9F6-80008C81F90D}" type="datetimeFigureOut">
               <a:rPr kumimoji="1" lang="ja-JP" altLang="en-US" smtClean="0"/>
-              <a:t>2017/4/10</a:t>
+              <a:t>2017/4/11</a:t>
             </a:fld>
             <a:endParaRPr kumimoji="1" lang="ja-JP" altLang="en-US"/>
           </a:p>
@@ -2050,7 +2053,7 @@
           <a:p>
             <a:fld id="{3BB2CD4D-FB0E-40CD-A9F6-80008C81F90D}" type="datetimeFigureOut">
               <a:rPr kumimoji="1" lang="ja-JP" altLang="en-US" smtClean="0"/>
-              <a:t>2017/4/10</a:t>
+              <a:t>2017/4/11</a:t>
             </a:fld>
             <a:endParaRPr kumimoji="1" lang="ja-JP" altLang="en-US"/>
           </a:p>
@@ -2359,7 +2362,7 @@
           <a:p>
             <a:fld id="{3BB2CD4D-FB0E-40CD-A9F6-80008C81F90D}" type="datetimeFigureOut">
               <a:rPr kumimoji="1" lang="ja-JP" altLang="en-US" smtClean="0"/>
-              <a:t>2017/4/10</a:t>
+              <a:t>2017/4/11</a:t>
             </a:fld>
             <a:endParaRPr kumimoji="1" lang="ja-JP" altLang="en-US"/>
           </a:p>
@@ -2612,7 +2615,7 @@
           <a:p>
             <a:fld id="{3BB2CD4D-FB0E-40CD-A9F6-80008C81F90D}" type="datetimeFigureOut">
               <a:rPr kumimoji="1" lang="ja-JP" altLang="en-US" smtClean="0"/>
-              <a:t>2017/4/10</a:t>
+              <a:t>2017/4/11</a:t>
             </a:fld>
             <a:endParaRPr kumimoji="1" lang="ja-JP" altLang="en-US"/>
           </a:p>
@@ -2912,7 +2915,7 @@
           <a:p>
             <a:fld id="{3BB2CD4D-FB0E-40CD-A9F6-80008C81F90D}" type="datetimeFigureOut">
               <a:rPr kumimoji="1" lang="ja-JP" altLang="en-US" smtClean="0"/>
-              <a:t>2017/4/10</a:t>
+              <a:t>2017/4/11</a:t>
             </a:fld>
             <a:endParaRPr kumimoji="1" lang="ja-JP" altLang="en-US"/>
           </a:p>
@@ -3319,6 +3322,55 @@
       </p:grpSpPr>
       <p:sp>
         <p:nvSpPr>
+          <p:cNvPr id="7" name="台形 6"/>
+          <p:cNvSpPr/>
+          <p:nvPr/>
+        </p:nvSpPr>
+        <p:spPr>
+          <a:xfrm>
+            <a:off x="1844098" y="2678345"/>
+            <a:ext cx="8617714" cy="272220"/>
+          </a:xfrm>
+          <a:prstGeom prst="trapezoid">
+            <a:avLst/>
+          </a:prstGeom>
+          <a:solidFill>
+            <a:srgbClr val="00B0F0"/>
+          </a:solidFill>
+          <a:effectLst>
+            <a:glow rad="63500">
+              <a:schemeClr val="accent3">
+                <a:satMod val="175000"/>
+                <a:alpha val="40000"/>
+              </a:schemeClr>
+            </a:glow>
+          </a:effectLst>
+        </p:spPr>
+        <p:style>
+          <a:lnRef idx="2">
+            <a:schemeClr val="accent6"/>
+          </a:lnRef>
+          <a:fillRef idx="1">
+            <a:schemeClr val="lt1"/>
+          </a:fillRef>
+          <a:effectRef idx="0">
+            <a:schemeClr val="accent6"/>
+          </a:effectRef>
+          <a:fontRef idx="minor">
+            <a:schemeClr val="dk1"/>
+          </a:fontRef>
+        </p:style>
+        <p:txBody>
+          <a:bodyPr rtlCol="0" anchor="ctr"/>
+          <a:lstStyle/>
+          <a:p>
+            <a:pPr algn="ctr"/>
+            <a:endParaRPr kumimoji="1" lang="ja-JP" altLang="en-US"/>
+          </a:p>
+        </p:txBody>
+      </p:sp>
+      <p:sp>
+        <p:nvSpPr>
           <p:cNvPr id="2" name="タイトル 1"/>
           <p:cNvSpPr>
             <a:spLocks noGrp="1"/>
@@ -3338,10 +3390,53 @@
           <a:lstStyle/>
           <a:p>
             <a:r>
-              <a:rPr kumimoji="1" lang="ja-JP" altLang="en-US" dirty="0" smtClean="0"/>
-              <a:t>鰯（仮）</a:t>
-            </a:r>
-            <a:endParaRPr kumimoji="1" lang="ja-JP" altLang="en-US" dirty="0"/>
+              <a:rPr kumimoji="1" lang="ja-JP" altLang="en-US" dirty="0" smtClean="0">
+                <a:effectLst>
+                  <a:glow rad="139700">
+                    <a:schemeClr val="accent6">
+                      <a:satMod val="175000"/>
+                      <a:alpha val="40000"/>
+                    </a:schemeClr>
+                  </a:glow>
+                </a:effectLst>
+                <a:latin typeface="HGP創英角ﾎﾟｯﾌﾟ体" panose="040B0A00000000000000" pitchFamily="50" charset="-128"/>
+                <a:ea typeface="HGP創英角ﾎﾟｯﾌﾟ体" panose="040B0A00000000000000" pitchFamily="50" charset="-128"/>
+              </a:rPr>
+              <a:t>サ</a:t>
+            </a:r>
+            <a:r>
+              <a:rPr kumimoji="1" lang="ja-JP" altLang="en-US" dirty="0" smtClean="0">
+                <a:latin typeface="HGP創英角ﾎﾟｯﾌﾟ体" panose="040B0A00000000000000" pitchFamily="50" charset="-128"/>
+                <a:ea typeface="HGP創英角ﾎﾟｯﾌﾟ体" panose="040B0A00000000000000" pitchFamily="50" charset="-128"/>
+              </a:rPr>
+              <a:t>う</a:t>
+            </a:r>
+            <a:r>
+              <a:rPr kumimoji="1" lang="ja-JP" altLang="en-US" dirty="0" smtClean="0">
+                <a:effectLst>
+                  <a:glow rad="101600">
+                    <a:schemeClr val="accent6">
+                      <a:satMod val="175000"/>
+                      <a:alpha val="40000"/>
+                    </a:schemeClr>
+                  </a:glow>
+                </a:effectLst>
+                <a:latin typeface="HGP創英角ﾎﾟｯﾌﾟ体" panose="040B0A00000000000000" pitchFamily="50" charset="-128"/>
+                <a:ea typeface="HGP創英角ﾎﾟｯﾌﾟ体" panose="040B0A00000000000000" pitchFamily="50" charset="-128"/>
+              </a:rPr>
+              <a:t>ンド</a:t>
+            </a:r>
+            <a:r>
+              <a:rPr kumimoji="1" lang="ja-JP" altLang="en-US" dirty="0" smtClean="0">
+                <a:latin typeface="HGP創英角ﾎﾟｯﾌﾟ体" panose="040B0A00000000000000" pitchFamily="50" charset="-128"/>
+                <a:ea typeface="HGP創英角ﾎﾟｯﾌﾟ体" panose="040B0A00000000000000" pitchFamily="50" charset="-128"/>
+              </a:rPr>
+              <a:t>　いわし</a:t>
+            </a:r>
+            <a:endParaRPr kumimoji="1" lang="ja-JP" altLang="en-US" dirty="0">
+              <a:latin typeface="HGP創英角ﾎﾟｯﾌﾟ体" panose="040B0A00000000000000" pitchFamily="50" charset="-128"/>
+              <a:ea typeface="HGP創英角ﾎﾟｯﾌﾟ体" panose="040B0A00000000000000" pitchFamily="50" charset="-128"/>
+            </a:endParaRPr>
           </a:p>
         </p:txBody>
       </p:sp>
@@ -3357,67 +3452,183 @@
         </p:nvSpPr>
         <p:spPr>
           <a:xfrm>
-            <a:off x="-2908151" y="3830638"/>
-            <a:ext cx="9144000" cy="3027362"/>
+            <a:off x="100729" y="2950565"/>
+            <a:ext cx="3736163" cy="3756605"/>
           </a:xfrm>
+          <a:ln>
+            <a:solidFill>
+              <a:schemeClr val="tx1"/>
+            </a:solidFill>
+          </a:ln>
         </p:spPr>
         <p:txBody>
           <a:bodyPr>
-            <a:normAutofit/>
+            <a:noAutofit/>
           </a:bodyPr>
           <a:lstStyle/>
           <a:p>
             <a:r>
-              <a:rPr kumimoji="1" lang="en-US" altLang="ja-JP" dirty="0" smtClean="0"/>
+              <a:rPr kumimoji="1" lang="en-US" altLang="ja-JP" sz="3600" dirty="0" smtClean="0"/>
               <a:t>GS2</a:t>
             </a:r>
             <a:r>
-              <a:rPr lang="ja-JP" altLang="en-US" dirty="0"/>
+              <a:rPr lang="ja-JP" altLang="en-US" sz="2800" dirty="0"/>
               <a:t> </a:t>
             </a:r>
-            <a:r>
-              <a:rPr lang="ja-JP" altLang="en-US" dirty="0" smtClean="0"/>
-              <a:t> </a:t>
-            </a:r>
-            <a:r>
-              <a:rPr kumimoji="1" lang="ja-JP" altLang="en-US" dirty="0" smtClean="0"/>
-              <a:t>チーム</a:t>
-            </a:r>
-            <a:r>
-              <a:rPr kumimoji="1" lang="en-US" altLang="ja-JP" dirty="0" smtClean="0"/>
-              <a:t>2</a:t>
-            </a:r>
-          </a:p>
-          <a:p>
-            <a:r>
-              <a:rPr lang="ja-JP" altLang="en-US" sz="3600" dirty="0" smtClean="0"/>
+            <a:endParaRPr lang="en-US" altLang="ja-JP" sz="2800" dirty="0" smtClean="0"/>
+          </a:p>
+          <a:p>
+            <a:r>
+              <a:rPr lang="en-US" altLang="ja-JP" sz="2800" u="sng" dirty="0" smtClean="0">
+                <a:latin typeface="HGPｺﾞｼｯｸE" panose="020B0900000000000000" pitchFamily="50" charset="-128"/>
+                <a:ea typeface="HGPｺﾞｼｯｸE" panose="020B0900000000000000" pitchFamily="50" charset="-128"/>
+              </a:rPr>
+              <a:t>TEAM:</a:t>
+            </a:r>
+            <a:r>
+              <a:rPr lang="ja-JP" altLang="en-US" sz="2800" dirty="0" smtClean="0">
+                <a:latin typeface="HGPｺﾞｼｯｸE" panose="020B0900000000000000" pitchFamily="50" charset="-128"/>
+                <a:ea typeface="HGPｺﾞｼｯｸE" panose="020B0900000000000000" pitchFamily="50" charset="-128"/>
+              </a:rPr>
+              <a:t>　</a:t>
+            </a:r>
+            <a:r>
+              <a:rPr lang="en-US" altLang="ja-JP" sz="2800" u="sng" dirty="0" smtClean="0">
+                <a:latin typeface="HGPｺﾞｼｯｸE" panose="020B0900000000000000" pitchFamily="50" charset="-128"/>
+                <a:ea typeface="HGPｺﾞｼｯｸE" panose="020B0900000000000000" pitchFamily="50" charset="-128"/>
+              </a:rPr>
+              <a:t>Weak </a:t>
+            </a:r>
+            <a:r>
+              <a:rPr lang="en-US" altLang="ja-JP" sz="2800" u="sng" dirty="0">
+                <a:latin typeface="HGPｺﾞｼｯｸE" panose="020B0900000000000000" pitchFamily="50" charset="-128"/>
+                <a:ea typeface="HGPｺﾞｼｯｸE" panose="020B0900000000000000" pitchFamily="50" charset="-128"/>
+              </a:rPr>
+              <a:t>Fisher</a:t>
+            </a:r>
+            <a:endParaRPr kumimoji="1" lang="en-US" altLang="ja-JP" sz="2800" u="sng" dirty="0" smtClean="0">
+              <a:latin typeface="HGPｺﾞｼｯｸE" panose="020B0900000000000000" pitchFamily="50" charset="-128"/>
+              <a:ea typeface="HGPｺﾞｼｯｸE" panose="020B0900000000000000" pitchFamily="50" charset="-128"/>
+            </a:endParaRPr>
+          </a:p>
+          <a:p>
+            <a:r>
+              <a:rPr lang="ja-JP" altLang="en-US" sz="4000" dirty="0" smtClean="0"/>
               <a:t>河本　恭宏</a:t>
             </a:r>
-            <a:endParaRPr lang="en-US" altLang="ja-JP" sz="3600" dirty="0" smtClean="0"/>
-          </a:p>
-          <a:p>
-            <a:r>
-              <a:rPr lang="ja-JP" altLang="en-US" sz="3600" dirty="0" smtClean="0"/>
+            <a:endParaRPr lang="en-US" altLang="ja-JP" sz="4000" dirty="0" smtClean="0"/>
+          </a:p>
+          <a:p>
+            <a:r>
+              <a:rPr lang="ja-JP" altLang="en-US" sz="4000" dirty="0" smtClean="0"/>
               <a:t>坂巻　太一</a:t>
             </a:r>
-            <a:endParaRPr lang="en-US" altLang="ja-JP" sz="3600" dirty="0" smtClean="0"/>
-          </a:p>
-          <a:p>
-            <a:r>
-              <a:rPr lang="ja-JP" altLang="en-US" sz="3600" dirty="0" smtClean="0"/>
+            <a:endParaRPr lang="en-US" altLang="ja-JP" sz="4000" dirty="0" smtClean="0"/>
+          </a:p>
+          <a:p>
+            <a:r>
+              <a:rPr lang="ja-JP" altLang="en-US" sz="4000" dirty="0" smtClean="0"/>
               <a:t>中田　湧介</a:t>
             </a:r>
-            <a:endParaRPr lang="en-US" altLang="ja-JP" sz="3600" dirty="0" smtClean="0"/>
-          </a:p>
-          <a:p>
-            <a:r>
-              <a:rPr lang="ja-JP" altLang="en-US" sz="3600" dirty="0" smtClean="0"/>
+            <a:endParaRPr lang="en-US" altLang="ja-JP" sz="4000" dirty="0" smtClean="0"/>
+          </a:p>
+          <a:p>
+            <a:r>
+              <a:rPr lang="ja-JP" altLang="en-US" sz="4000" dirty="0" smtClean="0"/>
               <a:t>森　一真</a:t>
             </a:r>
-            <a:endParaRPr lang="en-US" altLang="ja-JP" sz="3600" dirty="0" smtClean="0"/>
-          </a:p>
-        </p:txBody>
-      </p:sp>
+            <a:endParaRPr lang="en-US" altLang="ja-JP" sz="4000" dirty="0" smtClean="0"/>
+          </a:p>
+        </p:txBody>
+      </p:sp>
+      <p:pic>
+        <p:nvPicPr>
+          <p:cNvPr id="4" name="図 3"/>
+          <p:cNvPicPr>
+            <a:picLocks noChangeAspect="1"/>
+          </p:cNvPicPr>
+          <p:nvPr/>
+        </p:nvPicPr>
+        <p:blipFill rotWithShape="1">
+          <a:blip r:embed="rId2">
+            <a:extLst>
+              <a:ext uri="{28A0092B-C50C-407E-A947-70E740481C1C}">
+                <a14:useLocalDpi xmlns:a14="http://schemas.microsoft.com/office/drawing/2010/main" val="0"/>
+              </a:ext>
+            </a:extLst>
+          </a:blip>
+          <a:srcRect l="520" t="10938" r="62370" b="66369"/>
+          <a:stretch/>
+        </p:blipFill>
+        <p:spPr>
+          <a:xfrm rot="1088553">
+            <a:off x="7355173" y="962490"/>
+            <a:ext cx="3041946" cy="1395180"/>
+          </a:xfrm>
+          <a:prstGeom prst="rect">
+            <a:avLst/>
+          </a:prstGeom>
+        </p:spPr>
+      </p:pic>
+      <p:pic>
+        <p:nvPicPr>
+          <p:cNvPr id="5" name="図 4"/>
+          <p:cNvPicPr>
+            <a:picLocks noChangeAspect="1"/>
+          </p:cNvPicPr>
+          <p:nvPr/>
+        </p:nvPicPr>
+        <p:blipFill>
+          <a:blip r:embed="rId3">
+            <a:extLst>
+              <a:ext uri="{28A0092B-C50C-407E-A947-70E740481C1C}">
+                <a14:useLocalDpi xmlns:a14="http://schemas.microsoft.com/office/drawing/2010/main" val="0"/>
+              </a:ext>
+            </a:extLst>
+          </a:blip>
+          <a:stretch>
+            <a:fillRect/>
+          </a:stretch>
+        </p:blipFill>
+        <p:spPr>
+          <a:xfrm rot="19806742" flipH="1">
+            <a:off x="2069885" y="1611929"/>
+            <a:ext cx="1067762" cy="1191214"/>
+          </a:xfrm>
+          <a:prstGeom prst="rect">
+            <a:avLst/>
+          </a:prstGeom>
+        </p:spPr>
+      </p:pic>
+      <p:pic>
+        <p:nvPicPr>
+          <p:cNvPr id="6" name="図 5"/>
+          <p:cNvPicPr>
+            <a:picLocks noChangeAspect="1"/>
+          </p:cNvPicPr>
+          <p:nvPr/>
+        </p:nvPicPr>
+        <p:blipFill rotWithShape="1">
+          <a:blip r:embed="rId4">
+            <a:extLst>
+              <a:ext uri="{28A0092B-C50C-407E-A947-70E740481C1C}">
+                <a14:useLocalDpi xmlns:a14="http://schemas.microsoft.com/office/drawing/2010/main" val="0"/>
+              </a:ext>
+            </a:extLst>
+          </a:blip>
+          <a:srcRect t="66013" r="6079"/>
+          <a:stretch/>
+        </p:blipFill>
+        <p:spPr>
+          <a:xfrm rot="19800000" flipH="1">
+            <a:off x="3052461" y="779033"/>
+            <a:ext cx="1262141" cy="1484872"/>
+          </a:xfrm>
+          <a:prstGeom prst="rect">
+            <a:avLst/>
+          </a:prstGeom>
+        </p:spPr>
+      </p:pic>
     </p:spTree>
     <p:extLst>
       <p:ext uri="{BB962C8B-B14F-4D97-AF65-F5344CB8AC3E}">
@@ -3439,6 +3650,416 @@
 </file>
 
 <file path=ppt/slides/slide2.xml><?xml version="1.0" encoding="utf-8"?>
+<p:sld xmlns:a="http://schemas.openxmlformats.org/drawingml/2006/main" xmlns:r="http://schemas.openxmlformats.org/officeDocument/2006/relationships" xmlns:p="http://schemas.openxmlformats.org/presentationml/2006/main">
+  <p:cSld>
+    <p:spTree>
+      <p:nvGrpSpPr>
+        <p:cNvPr id="1" name=""/>
+        <p:cNvGrpSpPr/>
+        <p:nvPr/>
+      </p:nvGrpSpPr>
+      <p:grpSpPr>
+        <a:xfrm>
+          <a:off x="0" y="0"/>
+          <a:ext cx="0" cy="0"/>
+          <a:chOff x="0" y="0"/>
+          <a:chExt cx="0" cy="0"/>
+        </a:xfrm>
+      </p:grpSpPr>
+      <p:sp>
+        <p:nvSpPr>
+          <p:cNvPr id="8" name="フローチャート: 処理 7"/>
+          <p:cNvSpPr/>
+          <p:nvPr/>
+        </p:nvSpPr>
+        <p:spPr>
+          <a:xfrm>
+            <a:off x="1" y="2319688"/>
+            <a:ext cx="12192000" cy="2175310"/>
+          </a:xfrm>
+          <a:prstGeom prst="flowChartProcess">
+            <a:avLst/>
+          </a:prstGeom>
+          <a:ln>
+            <a:solidFill>
+              <a:schemeClr val="tx1"/>
+            </a:solidFill>
+          </a:ln>
+        </p:spPr>
+        <p:style>
+          <a:lnRef idx="2">
+            <a:schemeClr val="accent6"/>
+          </a:lnRef>
+          <a:fillRef idx="1">
+            <a:schemeClr val="lt1"/>
+          </a:fillRef>
+          <a:effectRef idx="0">
+            <a:schemeClr val="accent6"/>
+          </a:effectRef>
+          <a:fontRef idx="minor">
+            <a:schemeClr val="dk1"/>
+          </a:fontRef>
+        </p:style>
+        <p:txBody>
+          <a:bodyPr rtlCol="0" anchor="ctr"/>
+          <a:lstStyle/>
+          <a:p>
+            <a:pPr algn="ctr"/>
+            <a:endParaRPr kumimoji="1" lang="ja-JP" altLang="en-US"/>
+          </a:p>
+        </p:txBody>
+      </p:sp>
+      <p:sp>
+        <p:nvSpPr>
+          <p:cNvPr id="2" name="タイトル 1"/>
+          <p:cNvSpPr>
+            <a:spLocks noGrp="1"/>
+          </p:cNvSpPr>
+          <p:nvPr>
+            <p:ph type="title"/>
+          </p:nvPr>
+        </p:nvSpPr>
+        <p:spPr>
+          <a:xfrm>
+            <a:off x="442761" y="2829510"/>
+            <a:ext cx="11242307" cy="1325563"/>
+          </a:xfrm>
+        </p:spPr>
+        <p:txBody>
+          <a:bodyPr>
+            <a:noAutofit/>
+          </a:bodyPr>
+          <a:lstStyle/>
+          <a:p>
+            <a:r>
+              <a:rPr kumimoji="1" lang="en-US" altLang="ja-JP" sz="4800" b="1" dirty="0" smtClean="0">
+                <a:ln w="13462">
+                  <a:solidFill>
+                    <a:schemeClr val="bg1"/>
+                  </a:solidFill>
+                  <a:prstDash val="solid"/>
+                </a:ln>
+                <a:solidFill>
+                  <a:schemeClr val="tx1">
+                    <a:lumMod val="85000"/>
+                    <a:lumOff val="15000"/>
+                  </a:schemeClr>
+                </a:solidFill>
+                <a:effectLst>
+                  <a:outerShdw dist="38100" dir="2700000" algn="bl" rotWithShape="0">
+                    <a:schemeClr val="accent5"/>
+                  </a:outerShdw>
+                </a:effectLst>
+              </a:rPr>
+              <a:t>2</a:t>
+            </a:r>
+            <a:r>
+              <a:rPr kumimoji="1" lang="ja-JP" altLang="en-US" sz="4800" b="1" dirty="0" smtClean="0">
+                <a:ln w="13462">
+                  <a:solidFill>
+                    <a:schemeClr val="bg1"/>
+                  </a:solidFill>
+                  <a:prstDash val="solid"/>
+                </a:ln>
+                <a:solidFill>
+                  <a:schemeClr val="tx1">
+                    <a:lumMod val="85000"/>
+                    <a:lumOff val="15000"/>
+                  </a:schemeClr>
+                </a:solidFill>
+                <a:effectLst>
+                  <a:outerShdw dist="38100" dir="2700000" algn="bl" rotWithShape="0">
+                    <a:schemeClr val="accent5"/>
+                  </a:outerShdw>
+                </a:effectLst>
+              </a:rPr>
+              <a:t>人で協力！</a:t>
+            </a:r>
+            <a:r>
+              <a:rPr kumimoji="1" lang="en-US" altLang="ja-JP" sz="4800" b="1" dirty="0" smtClean="0">
+                <a:ln w="13462">
+                  <a:solidFill>
+                    <a:schemeClr val="bg1"/>
+                  </a:solidFill>
+                  <a:prstDash val="solid"/>
+                </a:ln>
+                <a:solidFill>
+                  <a:schemeClr val="tx1">
+                    <a:lumMod val="85000"/>
+                    <a:lumOff val="15000"/>
+                  </a:schemeClr>
+                </a:solidFill>
+                <a:effectLst>
+                  <a:outerShdw dist="38100" dir="2700000" algn="bl" rotWithShape="0">
+                    <a:schemeClr val="accent5"/>
+                  </a:outerShdw>
+                </a:effectLst>
+              </a:rPr>
+              <a:t/>
+            </a:r>
+            <a:br>
+              <a:rPr kumimoji="1" lang="en-US" altLang="ja-JP" sz="4800" b="1" dirty="0" smtClean="0">
+                <a:ln w="13462">
+                  <a:solidFill>
+                    <a:schemeClr val="bg1"/>
+                  </a:solidFill>
+                  <a:prstDash val="solid"/>
+                </a:ln>
+                <a:solidFill>
+                  <a:schemeClr val="tx1">
+                    <a:lumMod val="85000"/>
+                    <a:lumOff val="15000"/>
+                  </a:schemeClr>
+                </a:solidFill>
+                <a:effectLst>
+                  <a:outerShdw dist="38100" dir="2700000" algn="bl" rotWithShape="0">
+                    <a:schemeClr val="accent5"/>
+                  </a:outerShdw>
+                </a:effectLst>
+              </a:rPr>
+            </a:br>
+            <a:r>
+              <a:rPr lang="ja-JP" altLang="en-US" sz="4800" b="1" dirty="0">
+                <a:ln w="13462">
+                  <a:solidFill>
+                    <a:schemeClr val="bg1"/>
+                  </a:solidFill>
+                  <a:prstDash val="solid"/>
+                </a:ln>
+                <a:solidFill>
+                  <a:schemeClr val="tx1">
+                    <a:lumMod val="85000"/>
+                    <a:lumOff val="15000"/>
+                  </a:schemeClr>
+                </a:solidFill>
+                <a:effectLst>
+                  <a:outerShdw dist="38100" dir="2700000" algn="bl" rotWithShape="0">
+                    <a:schemeClr val="accent5"/>
+                  </a:outerShdw>
+                </a:effectLst>
+              </a:rPr>
+              <a:t>　</a:t>
+            </a:r>
+            <a:r>
+              <a:rPr lang="ja-JP" altLang="en-US" sz="4800" b="1" dirty="0" smtClean="0">
+                <a:ln w="13462">
+                  <a:solidFill>
+                    <a:schemeClr val="bg1"/>
+                  </a:solidFill>
+                  <a:prstDash val="solid"/>
+                </a:ln>
+                <a:solidFill>
+                  <a:schemeClr val="tx1">
+                    <a:lumMod val="85000"/>
+                    <a:lumOff val="15000"/>
+                  </a:schemeClr>
+                </a:solidFill>
+                <a:effectLst>
+                  <a:outerShdw dist="38100" dir="2700000" algn="bl" rotWithShape="0">
+                    <a:schemeClr val="accent5"/>
+                  </a:outerShdw>
+                </a:effectLst>
+              </a:rPr>
+              <a:t>　　</a:t>
+            </a:r>
+            <a:r>
+              <a:rPr kumimoji="1" lang="ja-JP" altLang="en-US" sz="4800" b="1" dirty="0" smtClean="0">
+                <a:ln w="13462">
+                  <a:solidFill>
+                    <a:schemeClr val="bg1"/>
+                  </a:solidFill>
+                  <a:prstDash val="solid"/>
+                </a:ln>
+                <a:solidFill>
+                  <a:schemeClr val="tx1">
+                    <a:lumMod val="85000"/>
+                    <a:lumOff val="15000"/>
+                  </a:schemeClr>
+                </a:solidFill>
+                <a:effectLst>
+                  <a:outerShdw dist="38100" dir="2700000" algn="bl" rotWithShape="0">
+                    <a:schemeClr val="accent5"/>
+                  </a:outerShdw>
+                </a:effectLst>
+              </a:rPr>
+              <a:t>音波ではさんで鰯を捕獲するゲーム</a:t>
+            </a:r>
+            <a:endParaRPr kumimoji="1" lang="ja-JP" altLang="en-US" sz="4800" b="1" dirty="0">
+              <a:ln w="13462">
+                <a:solidFill>
+                  <a:schemeClr val="bg1"/>
+                </a:solidFill>
+                <a:prstDash val="solid"/>
+              </a:ln>
+              <a:solidFill>
+                <a:schemeClr val="tx1">
+                  <a:lumMod val="85000"/>
+                  <a:lumOff val="15000"/>
+                </a:schemeClr>
+              </a:solidFill>
+              <a:effectLst>
+                <a:outerShdw dist="38100" dir="2700000" algn="bl" rotWithShape="0">
+                  <a:schemeClr val="accent5"/>
+                </a:outerShdw>
+              </a:effectLst>
+            </a:endParaRPr>
+          </a:p>
+        </p:txBody>
+      </p:sp>
+      <p:sp>
+        <p:nvSpPr>
+          <p:cNvPr id="6" name="正方形/長方形 5"/>
+          <p:cNvSpPr/>
+          <p:nvPr/>
+        </p:nvSpPr>
+        <p:spPr>
+          <a:xfrm>
+            <a:off x="0" y="0"/>
+            <a:ext cx="12192000" cy="1690688"/>
+          </a:xfrm>
+          <a:prstGeom prst="rect">
+            <a:avLst/>
+          </a:prstGeom>
+          <a:blipFill>
+            <a:blip r:embed="rId2"/>
+            <a:tile tx="0" ty="0" sx="100000" sy="100000" flip="none" algn="tl"/>
+          </a:blipFill>
+          <a:ln>
+            <a:noFill/>
+          </a:ln>
+          <a:effectLst>
+            <a:outerShdw blurRad="107950" dist="12700" dir="5400000" algn="ctr">
+              <a:srgbClr val="000000"/>
+            </a:outerShdw>
+          </a:effectLst>
+          <a:scene3d>
+            <a:camera prst="orthographicFront">
+              <a:rot lat="0" lon="0" rev="0"/>
+            </a:camera>
+            <a:lightRig rig="soft" dir="t">
+              <a:rot lat="0" lon="0" rev="0"/>
+            </a:lightRig>
+          </a:scene3d>
+          <a:sp3d contourW="44450" prstMaterial="matte">
+            <a:bevelT w="63500" h="63500" prst="artDeco"/>
+            <a:contourClr>
+              <a:srgbClr val="FFFFFF"/>
+            </a:contourClr>
+          </a:sp3d>
+        </p:spPr>
+        <p:style>
+          <a:lnRef idx="2">
+            <a:schemeClr val="accent1">
+              <a:shade val="50000"/>
+            </a:schemeClr>
+          </a:lnRef>
+          <a:fillRef idx="1">
+            <a:schemeClr val="accent1"/>
+          </a:fillRef>
+          <a:effectRef idx="0">
+            <a:schemeClr val="accent1"/>
+          </a:effectRef>
+          <a:fontRef idx="minor">
+            <a:schemeClr val="lt1"/>
+          </a:fontRef>
+        </p:style>
+        <p:txBody>
+          <a:bodyPr rtlCol="0" anchor="ctr"/>
+          <a:lstStyle/>
+          <a:p>
+            <a:pPr algn="ctr"/>
+            <a:endParaRPr kumimoji="1" lang="ja-JP" altLang="en-US"/>
+          </a:p>
+        </p:txBody>
+      </p:sp>
+      <p:sp>
+        <p:nvSpPr>
+          <p:cNvPr id="7" name="タイトル 1"/>
+          <p:cNvSpPr txBox="1">
+            <a:spLocks/>
+          </p:cNvSpPr>
+          <p:nvPr/>
+        </p:nvSpPr>
+        <p:spPr>
+          <a:xfrm>
+            <a:off x="838200" y="182562"/>
+            <a:ext cx="10515600" cy="1325563"/>
+          </a:xfrm>
+          <a:prstGeom prst="rect">
+            <a:avLst/>
+          </a:prstGeom>
+        </p:spPr>
+        <p:txBody>
+          <a:bodyPr vert="horz" lIns="91440" tIns="45720" rIns="91440" bIns="45720" rtlCol="0" anchor="ctr">
+            <a:normAutofit/>
+          </a:bodyPr>
+          <a:lstStyle>
+            <a:lvl1pPr algn="l" defTabSz="914400" rtl="0" eaLnBrk="1" latinLnBrk="0" hangingPunct="1">
+              <a:lnSpc>
+                <a:spcPct val="90000"/>
+              </a:lnSpc>
+              <a:spcBef>
+                <a:spcPct val="0"/>
+              </a:spcBef>
+              <a:buNone/>
+              <a:defRPr kumimoji="1" sz="4400" kern="1200">
+                <a:solidFill>
+                  <a:schemeClr val="tx1"/>
+                </a:solidFill>
+                <a:latin typeface="+mj-lt"/>
+                <a:ea typeface="+mj-ea"/>
+                <a:cs typeface="+mj-cs"/>
+              </a:defRPr>
+            </a:lvl1pPr>
+          </a:lstStyle>
+          <a:p>
+            <a:r>
+              <a:rPr lang="ja-JP" altLang="en-US" dirty="0" smtClean="0">
+                <a:effectLst>
+                  <a:glow rad="228600">
+                    <a:schemeClr val="accent5">
+                      <a:satMod val="175000"/>
+                      <a:alpha val="40000"/>
+                    </a:schemeClr>
+                  </a:glow>
+                </a:effectLst>
+              </a:rPr>
+              <a:t>ゲーム概要</a:t>
+            </a:r>
+            <a:endParaRPr lang="ja-JP" altLang="en-US" dirty="0">
+              <a:effectLst>
+                <a:glow rad="228600">
+                  <a:schemeClr val="accent5">
+                    <a:satMod val="175000"/>
+                    <a:alpha val="40000"/>
+                  </a:schemeClr>
+                </a:glow>
+              </a:effectLst>
+            </a:endParaRPr>
+          </a:p>
+        </p:txBody>
+      </p:sp>
+    </p:spTree>
+    <p:extLst>
+      <p:ext uri="{BB962C8B-B14F-4D97-AF65-F5344CB8AC3E}">
+        <p14:creationId xmlns:p14="http://schemas.microsoft.com/office/powerpoint/2010/main" val="3914758838"/>
+      </p:ext>
+    </p:extLst>
+  </p:cSld>
+  <p:clrMapOvr>
+    <a:masterClrMapping/>
+  </p:clrMapOvr>
+  <p:timing>
+    <p:tnLst>
+      <p:par>
+        <p:cTn id="1" dur="indefinite" restart="never" nodeType="tmRoot"/>
+      </p:par>
+    </p:tnLst>
+  </p:timing>
+</p:sld>
+</file>
+
+<file path=ppt/slides/slide3.xml><?xml version="1.0" encoding="utf-8"?>
 <p:sld xmlns:a="http://schemas.openxmlformats.org/drawingml/2006/main" xmlns:r="http://schemas.openxmlformats.org/officeDocument/2006/relationships" xmlns:p="http://schemas.openxmlformats.org/presentationml/2006/main">
   <p:cSld>
     <p:spTree>
@@ -3851,7 +4472,7 @@
 </p:sld>
 </file>
 
-<file path=ppt/slides/slide3.xml><?xml version="1.0" encoding="utf-8"?>
+<file path=ppt/slides/slide4.xml><?xml version="1.0" encoding="utf-8"?>
 <p:sld xmlns:a="http://schemas.openxmlformats.org/drawingml/2006/main" xmlns:r="http://schemas.openxmlformats.org/officeDocument/2006/relationships" xmlns:p="http://schemas.openxmlformats.org/presentationml/2006/main">
   <p:cSld>
     <p:spTree>
@@ -3955,7 +4576,7 @@
           <a:lstStyle/>
           <a:p>
             <a:r>
-              <a:rPr lang="ja-JP" altLang="en-US" dirty="0" smtClean="0">
+              <a:rPr kumimoji="1" lang="ja-JP" altLang="en-US" dirty="0" smtClean="0">
                 <a:effectLst>
                   <a:glow rad="228600">
                     <a:schemeClr val="accent5">
@@ -3965,7 +4586,7 @@
                   </a:glow>
                 </a:effectLst>
               </a:rPr>
-              <a:t>操作説明</a:t>
+              <a:t>実装</a:t>
             </a:r>
             <a:endParaRPr kumimoji="1" lang="ja-JP" altLang="en-US" dirty="0">
               <a:effectLst>
@@ -3990,41 +4611,41 @@
             <p:ph idx="1"/>
             <p:extLst>
               <p:ext uri="{D42A27DB-BD31-4B8C-83A1-F6EECF244321}">
-                <p14:modId xmlns:p14="http://schemas.microsoft.com/office/powerpoint/2010/main" val="1813494327"/>
+                <p14:modId xmlns:p14="http://schemas.microsoft.com/office/powerpoint/2010/main" val="1503370467"/>
               </p:ext>
             </p:extLst>
           </p:nvPr>
         </p:nvGraphicFramePr>
         <p:xfrm>
-          <a:off x="941235" y="1807062"/>
-          <a:ext cx="10309530" cy="3242920"/>
+          <a:off x="941235" y="1809304"/>
+          <a:ext cx="10309530" cy="2960037"/>
         </p:xfrm>
         <a:graphic>
           <a:graphicData uri="http://schemas.openxmlformats.org/drawingml/2006/table">
             <a:tbl>
               <a:tblPr firstRow="1" bandRow="1">
-                <a:tableStyleId>{5C22544A-7EE6-4342-B048-85BDC9FD1C3A}</a:tableStyleId>
+                <a:tableStyleId>{93296810-A885-4BE3-A3E7-6D5BEEA58F35}</a:tableStyleId>
               </a:tblPr>
               <a:tblGrid>
                 <a:gridCol w="3436510"/>
                 <a:gridCol w="3436510"/>
                 <a:gridCol w="3436510"/>
               </a:tblGrid>
-              <a:tr h="1061673">
+              <a:tr h="1222677">
                 <a:tc>
                   <a:txBody>
                     <a:bodyPr/>
                     <a:lstStyle/>
                     <a:p>
-                      <a:pPr algn="ctr"/>
+                      <a:pPr lvl="0" algn="ctr"/>
                       <a:r>
-                        <a:rPr kumimoji="1" lang="ja-JP" altLang="en-US" sz="4000" dirty="0" smtClean="0"/>
-                        <a:t>①</a:t>
+                        <a:rPr kumimoji="1" lang="ja-JP" altLang="en-US" sz="3600" dirty="0" smtClean="0"/>
+                        <a:t>開発環境</a:t>
                       </a:r>
-                      <a:endParaRPr kumimoji="1" lang="ja-JP" altLang="en-US" sz="4000" dirty="0"/>
+                      <a:endParaRPr kumimoji="1" lang="ja-JP" altLang="en-US" sz="3600" dirty="0"/>
                     </a:p>
                   </a:txBody>
-                  <a:tcPr anchor="ctr"/>
+                  <a:tcPr/>
                 </a:tc>
                 <a:tc>
                   <a:txBody>
@@ -4033,13 +4654,13 @@
                     <a:p>
                       <a:pPr algn="ctr"/>
                       <a:r>
-                        <a:rPr kumimoji="1" lang="ja-JP" altLang="en-US" sz="4000" dirty="0" smtClean="0"/>
-                        <a:t>②</a:t>
+                        <a:rPr kumimoji="1" lang="ja-JP" altLang="en-US" sz="3600" dirty="0" smtClean="0"/>
+                        <a:t>プラットフォーム</a:t>
                       </a:r>
-                      <a:endParaRPr kumimoji="1" lang="ja-JP" altLang="en-US" sz="4000" dirty="0"/>
+                      <a:endParaRPr kumimoji="1" lang="ja-JP" altLang="en-US" sz="3600" dirty="0"/>
                     </a:p>
                   </a:txBody>
-                  <a:tcPr anchor="ctr"/>
+                  <a:tcPr/>
                 </a:tc>
                 <a:tc>
                   <a:txBody>
@@ -4048,209 +4669,78 @@
                     <a:p>
                       <a:pPr algn="ctr"/>
                       <a:r>
-                        <a:rPr kumimoji="1" lang="ja-JP" altLang="en-US" sz="4000" dirty="0" smtClean="0"/>
-                        <a:t>③</a:t>
+                        <a:rPr kumimoji="1" lang="ja-JP" altLang="en-US" sz="3600" dirty="0" smtClean="0"/>
+                        <a:t>バージョン管理</a:t>
                       </a:r>
-                      <a:endParaRPr kumimoji="1" lang="ja-JP" altLang="en-US" sz="4000" dirty="0"/>
+                      <a:endParaRPr kumimoji="1" lang="ja-JP" altLang="en-US" sz="3600" dirty="0"/>
                     </a:p>
                   </a:txBody>
-                  <a:tcPr anchor="ctr"/>
+                  <a:tcPr/>
                 </a:tc>
               </a:tr>
-              <a:tr h="2181247">
+              <a:tr h="1732525">
                 <a:tc>
                   <a:txBody>
                     <a:bodyPr/>
                     <a:lstStyle/>
                     <a:p>
-                      <a:pPr marL="0" marR="0" lvl="0" indent="0" algn="l" defTabSz="914400" rtl="0" eaLnBrk="1" fontAlgn="auto" latinLnBrk="0" hangingPunct="1">
-                        <a:lnSpc>
-                          <a:spcPct val="100000"/>
-                        </a:lnSpc>
-                        <a:spcBef>
-                          <a:spcPts val="0"/>
-                        </a:spcBef>
-                        <a:spcAft>
-                          <a:spcPts val="0"/>
-                        </a:spcAft>
-                        <a:buClrTx/>
-                        <a:buSzTx/>
-                        <a:buFontTx/>
-                        <a:buNone/>
-                        <a:tabLst/>
-                        <a:defRPr/>
-                      </a:pPr>
+                      <a:pPr algn="ctr"/>
                       <a:r>
-                        <a:rPr kumimoji="1" lang="ja-JP" altLang="en-US" sz="2400" smtClean="0"/>
-                        <a:t>鰯が泳いできます</a:t>
+                        <a:rPr kumimoji="1" lang="en-US" altLang="ja-JP" sz="4400" dirty="0" smtClean="0"/>
+                        <a:t>cocos2dx</a:t>
                       </a:r>
-                      <a:endParaRPr kumimoji="1" lang="en-US" altLang="ja-JP" sz="2400" smtClean="0"/>
-                    </a:p>
-                    <a:p>
-                      <a:pPr marL="0" marR="0" lvl="0" indent="0" algn="l" defTabSz="914400" rtl="0" eaLnBrk="1" fontAlgn="auto" latinLnBrk="0" hangingPunct="1">
-                        <a:lnSpc>
-                          <a:spcPct val="100000"/>
-                        </a:lnSpc>
-                        <a:spcBef>
-                          <a:spcPts val="0"/>
-                        </a:spcBef>
-                        <a:spcAft>
-                          <a:spcPts val="0"/>
-                        </a:spcAft>
-                        <a:buClrTx/>
-                        <a:buSzTx/>
-                        <a:buFontTx/>
-                        <a:buNone/>
-                        <a:tabLst/>
-                        <a:defRPr/>
-                      </a:pPr>
-                      <a:r>
-                        <a:rPr kumimoji="1" lang="ja-JP" altLang="en-US" sz="2400" b="0" smtClean="0">
-                          <a:solidFill>
-                            <a:schemeClr val="tx1"/>
-                          </a:solidFill>
-                          <a:latin typeface="+mn-ea"/>
-                          <a:ea typeface="+mn-ea"/>
-                        </a:rPr>
-                        <a:t>２人でよりたくさんの鰯を捕まえてください</a:t>
-                      </a:r>
-                    </a:p>
-                    <a:p>
-                      <a:pPr algn="l"/>
-                      <a:endParaRPr kumimoji="1" lang="ja-JP" altLang="en-US" sz="2400" dirty="0"/>
+                      <a:endParaRPr kumimoji="1" lang="ja-JP" altLang="en-US" sz="4400" dirty="0"/>
                     </a:p>
                   </a:txBody>
-                  <a:tcPr>
-                    <a:solidFill>
-                      <a:schemeClr val="accent1">
-                        <a:lumMod val="20000"/>
-                        <a:lumOff val="80000"/>
-                      </a:schemeClr>
-                    </a:solidFill>
-                  </a:tcPr>
+                  <a:tcPr/>
                 </a:tc>
                 <a:tc>
                   <a:txBody>
                     <a:bodyPr/>
                     <a:lstStyle/>
                     <a:p>
-                      <a:pPr algn="l"/>
+                      <a:pPr algn="ctr"/>
                       <a:r>
-                        <a:rPr kumimoji="1" lang="ja-JP" altLang="en-US" sz="2400" smtClean="0"/>
-                        <a:t>２人のプレイヤーは画面両端をタッチして音を飛ばします</a:t>
+                        <a:rPr kumimoji="1" lang="en-US" altLang="ja-JP" sz="5400" dirty="0" smtClean="0"/>
+                        <a:t>Android</a:t>
                       </a:r>
-                      <a:endParaRPr kumimoji="1" lang="ja-JP" altLang="en-US" sz="2400" dirty="0"/>
+                      <a:endParaRPr kumimoji="1" lang="ja-JP" altLang="en-US" sz="5400" dirty="0"/>
                     </a:p>
                   </a:txBody>
-                  <a:tcPr>
-                    <a:solidFill>
-                      <a:schemeClr val="accent1">
-                        <a:lumMod val="20000"/>
-                        <a:lumOff val="80000"/>
-                      </a:schemeClr>
-                    </a:solidFill>
-                  </a:tcPr>
+                  <a:tcPr/>
                 </a:tc>
                 <a:tc>
                   <a:txBody>
                     <a:bodyPr/>
                     <a:lstStyle/>
                     <a:p>
-                      <a:pPr algn="l"/>
+                      <a:pPr algn="ctr"/>
                       <a:r>
-                        <a:rPr kumimoji="1" lang="ja-JP" altLang="en-US" sz="2400" dirty="0" smtClean="0"/>
-                        <a:t>音で鰯をはさむと捕まえることができます</a:t>
+                        <a:rPr kumimoji="1" lang="en-US" altLang="ja-JP" sz="5400" dirty="0" err="1" smtClean="0"/>
+                        <a:t>Github</a:t>
                       </a:r>
-                      <a:endParaRPr kumimoji="1" lang="en-US" altLang="ja-JP" sz="2400" dirty="0" smtClean="0"/>
+                      <a:endParaRPr kumimoji="1" lang="en-US" altLang="ja-JP" sz="5400" dirty="0" smtClean="0"/>
                     </a:p>
                     <a:p>
-                      <a:pPr marL="0" marR="0" lvl="0" indent="0" algn="l" defTabSz="914400" rtl="0" eaLnBrk="1" fontAlgn="auto" latinLnBrk="0" hangingPunct="1">
-                        <a:lnSpc>
-                          <a:spcPct val="100000"/>
-                        </a:lnSpc>
-                        <a:spcBef>
-                          <a:spcPts val="0"/>
-                        </a:spcBef>
-                        <a:spcAft>
-                          <a:spcPts val="0"/>
-                        </a:spcAft>
-                        <a:buClrTx/>
-                        <a:buSzTx/>
-                        <a:buFontTx/>
-                        <a:buNone/>
-                        <a:tabLst/>
-                        <a:defRPr/>
-                      </a:pPr>
+                      <a:pPr algn="ctr"/>
                       <a:r>
-                        <a:rPr kumimoji="1" lang="ja-JP" altLang="en-US" sz="2400" b="0" dirty="0" smtClean="0">
-                          <a:solidFill>
-                            <a:schemeClr val="tx1"/>
-                          </a:solidFill>
-                          <a:latin typeface="+mn-ea"/>
-                          <a:ea typeface="+mn-ea"/>
-                        </a:rPr>
-                        <a:t>鰯の数によってスコアが違います</a:t>
+                        <a:rPr kumimoji="1" lang="en-US" altLang="ja-JP" sz="5400" dirty="0" err="1" smtClean="0"/>
+                        <a:t>SourceTree</a:t>
                       </a:r>
-                      <a:endParaRPr kumimoji="1" lang="en-US" altLang="ja-JP" sz="2400" b="0" dirty="0" smtClean="0">
-                        <a:solidFill>
-                          <a:srgbClr val="C00000"/>
-                        </a:solidFill>
-                        <a:latin typeface="+mn-ea"/>
-                        <a:ea typeface="+mn-ea"/>
-                      </a:endParaRPr>
-                    </a:p>
-                    <a:p>
-                      <a:pPr algn="l"/>
-                      <a:endParaRPr kumimoji="1" lang="ja-JP" altLang="en-US" sz="2400" dirty="0"/>
+                      <a:endParaRPr kumimoji="1" lang="ja-JP" altLang="en-US" sz="5400" dirty="0"/>
                     </a:p>
                   </a:txBody>
-                  <a:tcPr>
-                    <a:solidFill>
-                      <a:schemeClr val="accent1">
-                        <a:lumMod val="20000"/>
-                        <a:lumOff val="80000"/>
-                      </a:schemeClr>
-                    </a:solidFill>
-                  </a:tcPr>
+                  <a:tcPr/>
                 </a:tc>
               </a:tr>
             </a:tbl>
           </a:graphicData>
         </a:graphic>
       </p:graphicFrame>
-      <p:pic>
-        <p:nvPicPr>
-          <p:cNvPr id="12" name="図 11"/>
-          <p:cNvPicPr>
-            <a:picLocks noChangeAspect="1"/>
-          </p:cNvPicPr>
-          <p:nvPr/>
-        </p:nvPicPr>
-        <p:blipFill rotWithShape="1">
-          <a:blip r:embed="rId3">
-            <a:extLst>
-              <a:ext uri="{28A0092B-C50C-407E-A947-70E740481C1C}">
-                <a14:useLocalDpi xmlns:a14="http://schemas.microsoft.com/office/drawing/2010/main" val="0"/>
-              </a:ext>
-            </a:extLst>
-          </a:blip>
-          <a:srcRect l="520" t="10938" r="62370" b="66369"/>
-          <a:stretch/>
-        </p:blipFill>
-        <p:spPr>
-          <a:xfrm>
-            <a:off x="6542810" y="5302175"/>
-            <a:ext cx="2757054" cy="1264516"/>
-          </a:xfrm>
-          <a:prstGeom prst="rect">
-            <a:avLst/>
-          </a:prstGeom>
-        </p:spPr>
-      </p:pic>
     </p:spTree>
     <p:extLst>
       <p:ext uri="{BB962C8B-B14F-4D97-AF65-F5344CB8AC3E}">
-        <p14:creationId xmlns:p14="http://schemas.microsoft.com/office/powerpoint/2010/main" val="2380424332"/>
+        <p14:creationId xmlns:p14="http://schemas.microsoft.com/office/powerpoint/2010/main" val="2333825977"/>
       </p:ext>
     </p:extLst>
   </p:cSld>
@@ -4267,7 +4757,7 @@
 </p:sld>
 </file>
 
-<file path=ppt/slides/slide4.xml><?xml version="1.0" encoding="utf-8"?>
+<file path=ppt/slides/slide5.xml><?xml version="1.0" encoding="utf-8"?>
 <p:sld xmlns:a="http://schemas.openxmlformats.org/drawingml/2006/main" xmlns:r="http://schemas.openxmlformats.org/officeDocument/2006/relationships" xmlns:p="http://schemas.openxmlformats.org/presentationml/2006/main">
   <p:cSld>
     <p:spTree>
@@ -4286,194 +4776,7 @@
       </p:grpSpPr>
       <p:sp>
         <p:nvSpPr>
-          <p:cNvPr id="2" name="タイトル 1"/>
-          <p:cNvSpPr>
-            <a:spLocks noGrp="1"/>
-          </p:cNvSpPr>
-          <p:nvPr>
-            <p:ph type="title"/>
-          </p:nvPr>
-        </p:nvSpPr>
-        <p:spPr/>
-        <p:txBody>
-          <a:bodyPr/>
-          <a:lstStyle/>
-          <a:p>
-            <a:endParaRPr kumimoji="1" lang="ja-JP" altLang="en-US" dirty="0"/>
-          </a:p>
-        </p:txBody>
-      </p:sp>
-      <p:graphicFrame>
-        <p:nvGraphicFramePr>
-          <p:cNvPr id="8" name="表 7"/>
-          <p:cNvGraphicFramePr>
-            <a:graphicFrameLocks noGrp="1"/>
-          </p:cNvGraphicFramePr>
-          <p:nvPr>
-            <p:extLst>
-              <p:ext uri="{D42A27DB-BD31-4B8C-83A1-F6EECF244321}">
-                <p14:modId xmlns:p14="http://schemas.microsoft.com/office/powerpoint/2010/main" val="1769425482"/>
-              </p:ext>
-            </p:extLst>
-          </p:nvPr>
-        </p:nvGraphicFramePr>
-        <p:xfrm>
-          <a:off x="2225936" y="1690688"/>
-          <a:ext cx="7843522" cy="4089004"/>
-        </p:xfrm>
-        <a:graphic>
-          <a:graphicData uri="http://schemas.openxmlformats.org/drawingml/2006/table">
-            <a:tbl>
-              <a:tblPr firstRow="1" bandRow="1">
-                <a:tableStyleId>{D7AC3CCA-C797-4891-BE02-D94E43425B78}</a:tableStyleId>
-              </a:tblPr>
-              <a:tblGrid>
-                <a:gridCol w="3921761"/>
-                <a:gridCol w="3921761"/>
-              </a:tblGrid>
-              <a:tr h="1022251">
-                <a:tc>
-                  <a:txBody>
-                    <a:bodyPr/>
-                    <a:lstStyle/>
-                    <a:p>
-                      <a:r>
-                        <a:rPr kumimoji="1" lang="ja-JP" altLang="en-US" sz="4400" b="0" dirty="0" smtClean="0"/>
-                        <a:t>河本</a:t>
-                      </a:r>
-                      <a:endParaRPr kumimoji="1" lang="ja-JP" altLang="en-US" sz="4400" b="0" dirty="0"/>
-                    </a:p>
-                  </a:txBody>
-                  <a:tcPr/>
-                </a:tc>
-                <a:tc>
-                  <a:txBody>
-                    <a:bodyPr/>
-                    <a:lstStyle/>
-                    <a:p>
-                      <a:r>
-                        <a:rPr kumimoji="1" lang="en-US" altLang="ja-JP" sz="2800" b="0" dirty="0" smtClean="0"/>
-                        <a:t>android</a:t>
-                      </a:r>
-                      <a:r>
-                        <a:rPr kumimoji="1" lang="ja-JP" altLang="en-US" sz="2800" b="0" dirty="0" err="1" smtClean="0"/>
-                        <a:t>での</a:t>
-                      </a:r>
-                      <a:r>
-                        <a:rPr kumimoji="1" lang="ja-JP" altLang="en-US" sz="2800" b="0" dirty="0" smtClean="0"/>
-                        <a:t>実装、プレイシーン全般</a:t>
-                      </a:r>
-                      <a:endParaRPr kumimoji="1" lang="ja-JP" altLang="en-US" sz="2800" b="0" dirty="0"/>
-                    </a:p>
-                  </a:txBody>
-                  <a:tcPr/>
-                </a:tc>
-              </a:tr>
-              <a:tr h="1022251">
-                <a:tc>
-                  <a:txBody>
-                    <a:bodyPr/>
-                    <a:lstStyle/>
-                    <a:p>
-                      <a:r>
-                        <a:rPr kumimoji="1" lang="ja-JP" altLang="en-US" sz="4400" dirty="0" smtClean="0"/>
-                        <a:t>坂巻</a:t>
-                      </a:r>
-                      <a:endParaRPr kumimoji="1" lang="ja-JP" altLang="en-US" sz="4400" dirty="0"/>
-                    </a:p>
-                  </a:txBody>
-                  <a:tcPr/>
-                </a:tc>
-                <a:tc>
-                  <a:txBody>
-                    <a:bodyPr/>
-                    <a:lstStyle/>
-                    <a:p>
-                      <a:r>
-                        <a:rPr kumimoji="1" lang="ja-JP" altLang="en-US" sz="2800" dirty="0" smtClean="0"/>
-                        <a:t>魚部分</a:t>
-                      </a:r>
-                      <a:endParaRPr kumimoji="1" lang="ja-JP" altLang="en-US" sz="2800" dirty="0"/>
-                    </a:p>
-                  </a:txBody>
-                  <a:tcPr/>
-                </a:tc>
-              </a:tr>
-              <a:tr h="1022251">
-                <a:tc>
-                  <a:txBody>
-                    <a:bodyPr/>
-                    <a:lstStyle/>
-                    <a:p>
-                      <a:r>
-                        <a:rPr kumimoji="1" lang="ja-JP" altLang="en-US" sz="4400" dirty="0" smtClean="0"/>
-                        <a:t>中田</a:t>
-                      </a:r>
-                      <a:endParaRPr kumimoji="1" lang="ja-JP" altLang="en-US" sz="4400" dirty="0"/>
-                    </a:p>
-                  </a:txBody>
-                  <a:tcPr/>
-                </a:tc>
-                <a:tc>
-                  <a:txBody>
-                    <a:bodyPr/>
-                    <a:lstStyle/>
-                    <a:p>
-                      <a:r>
-                        <a:rPr kumimoji="1" lang="ja-JP" altLang="en-US" sz="2800" smtClean="0"/>
-                        <a:t>タイトルシーン、リザルトシーン、</a:t>
-                      </a:r>
-                      <a:r>
-                        <a:rPr kumimoji="1" lang="en-US" altLang="ja-JP" sz="2800" smtClean="0"/>
-                        <a:t>UI</a:t>
-                      </a:r>
-                      <a:endParaRPr kumimoji="1" lang="ja-JP" altLang="en-US" sz="2800" dirty="0"/>
-                    </a:p>
-                  </a:txBody>
-                  <a:tcPr/>
-                </a:tc>
-              </a:tr>
-              <a:tr h="1022251">
-                <a:tc>
-                  <a:txBody>
-                    <a:bodyPr/>
-                    <a:lstStyle/>
-                    <a:p>
-                      <a:r>
-                        <a:rPr kumimoji="1" lang="ja-JP" altLang="en-US" sz="4400" dirty="0" smtClean="0"/>
-                        <a:t>森</a:t>
-                      </a:r>
-                      <a:endParaRPr kumimoji="1" lang="ja-JP" altLang="en-US" sz="4400" dirty="0"/>
-                    </a:p>
-                  </a:txBody>
-                  <a:tcPr/>
-                </a:tc>
-                <a:tc>
-                  <a:txBody>
-                    <a:bodyPr/>
-                    <a:lstStyle/>
-                    <a:p>
-                      <a:r>
-                        <a:rPr kumimoji="1" lang="en-US" altLang="ja-JP" sz="2800" dirty="0" smtClean="0"/>
-                        <a:t>UI,</a:t>
-                      </a:r>
-                      <a:r>
-                        <a:rPr kumimoji="1" lang="ja-JP" altLang="en-US" sz="2800" dirty="0" smtClean="0"/>
-                        <a:t>リソース</a:t>
-                      </a:r>
-                      <a:endParaRPr kumimoji="1" lang="ja-JP" altLang="en-US" sz="2800" dirty="0"/>
-                    </a:p>
-                  </a:txBody>
-                  <a:tcPr/>
-                </a:tc>
-              </a:tr>
-            </a:tbl>
-          </a:graphicData>
-        </a:graphic>
-      </p:graphicFrame>
-      <p:sp>
-        <p:nvSpPr>
-          <p:cNvPr id="11" name="正方形/長方形 10"/>
+          <p:cNvPr id="9" name="正方形/長方形 8"/>
           <p:cNvSpPr/>
           <p:nvPr/>
         </p:nvSpPr>
@@ -4539,44 +4842,23 @@
       </p:sp>
       <p:sp>
         <p:nvSpPr>
-          <p:cNvPr id="12" name="タイトル 1"/>
-          <p:cNvSpPr txBox="1">
-            <a:spLocks/>
-          </p:cNvSpPr>
-          <p:nvPr/>
+          <p:cNvPr id="2" name="タイトル 1"/>
+          <p:cNvSpPr>
+            <a:spLocks noGrp="1"/>
+          </p:cNvSpPr>
+          <p:nvPr>
+            <p:ph type="title"/>
+          </p:nvPr>
         </p:nvSpPr>
         <p:spPr>
           <a:xfrm>
             <a:off x="838200" y="182562"/>
             <a:ext cx="10515600" cy="1325563"/>
           </a:xfrm>
-          <a:prstGeom prst="rect">
-            <a:avLst/>
-          </a:prstGeom>
         </p:spPr>
         <p:txBody>
-          <a:bodyPr vert="horz" lIns="91440" tIns="45720" rIns="91440" bIns="45720" rtlCol="0" anchor="ctr">
-            <a:normAutofit/>
-          </a:bodyPr>
-          <a:lstStyle>
-            <a:lvl1pPr algn="l" defTabSz="914400" rtl="0" eaLnBrk="1" latinLnBrk="0" hangingPunct="1">
-              <a:lnSpc>
-                <a:spcPct val="90000"/>
-              </a:lnSpc>
-              <a:spcBef>
-                <a:spcPct val="0"/>
-              </a:spcBef>
-              <a:buNone/>
-              <a:defRPr kumimoji="1" sz="4400" kern="1200">
-                <a:solidFill>
-                  <a:schemeClr val="tx1"/>
-                </a:solidFill>
-                <a:latin typeface="+mj-lt"/>
-                <a:ea typeface="+mj-ea"/>
-                <a:cs typeface="+mj-cs"/>
-              </a:defRPr>
-            </a:lvl1pPr>
-          </a:lstStyle>
+          <a:bodyPr/>
+          <a:lstStyle/>
           <a:p>
             <a:r>
               <a:rPr lang="ja-JP" altLang="en-US" dirty="0" smtClean="0">
@@ -4589,9 +4871,9 @@
                   </a:glow>
                 </a:effectLst>
               </a:rPr>
-              <a:t>役割分担</a:t>
-            </a:r>
-            <a:endParaRPr lang="ja-JP" altLang="en-US" dirty="0">
+              <a:t>操作説明</a:t>
+            </a:r>
+            <a:endParaRPr kumimoji="1" lang="ja-JP" altLang="en-US" dirty="0">
               <a:effectLst>
                 <a:glow rad="228600">
                   <a:schemeClr val="accent5">
@@ -4604,10 +4886,758 @@
           </a:p>
         </p:txBody>
       </p:sp>
+      <p:graphicFrame>
+        <p:nvGraphicFramePr>
+          <p:cNvPr id="4" name="コンテンツ プレースホルダー 3"/>
+          <p:cNvGraphicFramePr>
+            <a:graphicFrameLocks noGrp="1"/>
+          </p:cNvGraphicFramePr>
+          <p:nvPr>
+            <p:ph idx="1"/>
+            <p:extLst>
+              <p:ext uri="{D42A27DB-BD31-4B8C-83A1-F6EECF244321}">
+                <p14:modId xmlns:p14="http://schemas.microsoft.com/office/powerpoint/2010/main" val="3628239437"/>
+              </p:ext>
+            </p:extLst>
+          </p:nvPr>
+        </p:nvGraphicFramePr>
+        <p:xfrm>
+          <a:off x="941235" y="1807063"/>
+          <a:ext cx="10309530" cy="3559721"/>
+        </p:xfrm>
+        <a:graphic>
+          <a:graphicData uri="http://schemas.openxmlformats.org/drawingml/2006/table">
+            <a:tbl>
+              <a:tblPr firstRow="1" bandRow="1">
+                <a:tableStyleId>{5C22544A-7EE6-4342-B048-85BDC9FD1C3A}</a:tableStyleId>
+              </a:tblPr>
+              <a:tblGrid>
+                <a:gridCol w="3436510"/>
+                <a:gridCol w="3436510"/>
+                <a:gridCol w="3436510"/>
+              </a:tblGrid>
+              <a:tr h="1029881">
+                <a:tc>
+                  <a:txBody>
+                    <a:bodyPr/>
+                    <a:lstStyle/>
+                    <a:p>
+                      <a:pPr algn="ctr"/>
+                      <a:r>
+                        <a:rPr kumimoji="1" lang="ja-JP" altLang="en-US" sz="4000" dirty="0" smtClean="0"/>
+                        <a:t>①</a:t>
+                      </a:r>
+                      <a:endParaRPr kumimoji="1" lang="ja-JP" altLang="en-US" sz="4000" dirty="0"/>
+                    </a:p>
+                  </a:txBody>
+                  <a:tcPr anchor="ctr"/>
+                </a:tc>
+                <a:tc>
+                  <a:txBody>
+                    <a:bodyPr/>
+                    <a:lstStyle/>
+                    <a:p>
+                      <a:pPr algn="ctr"/>
+                      <a:r>
+                        <a:rPr kumimoji="1" lang="ja-JP" altLang="en-US" sz="4000" dirty="0" smtClean="0"/>
+                        <a:t>②</a:t>
+                      </a:r>
+                      <a:endParaRPr kumimoji="1" lang="ja-JP" altLang="en-US" sz="4000" dirty="0"/>
+                    </a:p>
+                  </a:txBody>
+                  <a:tcPr anchor="ctr"/>
+                </a:tc>
+                <a:tc>
+                  <a:txBody>
+                    <a:bodyPr/>
+                    <a:lstStyle/>
+                    <a:p>
+                      <a:pPr algn="ctr"/>
+                      <a:r>
+                        <a:rPr kumimoji="1" lang="ja-JP" altLang="en-US" sz="4000" dirty="0" smtClean="0"/>
+                        <a:t>③</a:t>
+                      </a:r>
+                      <a:endParaRPr kumimoji="1" lang="ja-JP" altLang="en-US" sz="4000" dirty="0"/>
+                    </a:p>
+                  </a:txBody>
+                  <a:tcPr anchor="ctr"/>
+                </a:tc>
+              </a:tr>
+              <a:tr h="2454083">
+                <a:tc>
+                  <a:txBody>
+                    <a:bodyPr/>
+                    <a:lstStyle/>
+                    <a:p>
+                      <a:pPr marL="0" marR="0" lvl="0" indent="0" algn="l" defTabSz="914400" rtl="0" eaLnBrk="1" fontAlgn="auto" latinLnBrk="0" hangingPunct="1">
+                        <a:lnSpc>
+                          <a:spcPct val="100000"/>
+                        </a:lnSpc>
+                        <a:spcBef>
+                          <a:spcPts val="0"/>
+                        </a:spcBef>
+                        <a:spcAft>
+                          <a:spcPts val="0"/>
+                        </a:spcAft>
+                        <a:buClrTx/>
+                        <a:buSzTx/>
+                        <a:buFontTx/>
+                        <a:buNone/>
+                        <a:tabLst/>
+                        <a:defRPr/>
+                      </a:pPr>
+                      <a:r>
+                        <a:rPr kumimoji="1" lang="ja-JP" altLang="en-US" sz="2400" dirty="0" smtClean="0"/>
+                        <a:t>鰯が泳いできます</a:t>
+                      </a:r>
+                      <a:endParaRPr kumimoji="1" lang="en-US" altLang="ja-JP" sz="2400" dirty="0" smtClean="0"/>
+                    </a:p>
+                    <a:p>
+                      <a:pPr marL="0" marR="0" lvl="0" indent="0" algn="l" defTabSz="914400" rtl="0" eaLnBrk="1" fontAlgn="auto" latinLnBrk="0" hangingPunct="1">
+                        <a:lnSpc>
+                          <a:spcPct val="100000"/>
+                        </a:lnSpc>
+                        <a:spcBef>
+                          <a:spcPts val="0"/>
+                        </a:spcBef>
+                        <a:spcAft>
+                          <a:spcPts val="0"/>
+                        </a:spcAft>
+                        <a:buClrTx/>
+                        <a:buSzTx/>
+                        <a:buFontTx/>
+                        <a:buNone/>
+                        <a:tabLst/>
+                        <a:defRPr/>
+                      </a:pPr>
+                      <a:r>
+                        <a:rPr kumimoji="1" lang="ja-JP" altLang="en-US" sz="2400" b="0" dirty="0" smtClean="0">
+                          <a:solidFill>
+                            <a:schemeClr val="tx1"/>
+                          </a:solidFill>
+                          <a:latin typeface="+mn-ea"/>
+                          <a:ea typeface="+mn-ea"/>
+                        </a:rPr>
+                        <a:t>２人</a:t>
+                      </a:r>
+                      <a:r>
+                        <a:rPr kumimoji="1" lang="ja-JP" altLang="en-US" sz="2400" b="0" dirty="0" smtClean="0">
+                          <a:solidFill>
+                            <a:schemeClr val="tx1"/>
+                          </a:solidFill>
+                          <a:latin typeface="+mn-ea"/>
+                          <a:ea typeface="+mn-ea"/>
+                        </a:rPr>
+                        <a:t>で協力してより</a:t>
+                      </a:r>
+                      <a:r>
+                        <a:rPr kumimoji="1" lang="ja-JP" altLang="en-US" sz="2400" b="0" dirty="0" smtClean="0">
+                          <a:solidFill>
+                            <a:schemeClr val="tx1"/>
+                          </a:solidFill>
+                          <a:latin typeface="+mn-ea"/>
+                          <a:ea typeface="+mn-ea"/>
+                        </a:rPr>
+                        <a:t>たくさんの鰯</a:t>
+                      </a:r>
+                      <a:r>
+                        <a:rPr kumimoji="1" lang="ja-JP" altLang="en-US" sz="2400" b="0" dirty="0" smtClean="0">
+                          <a:solidFill>
+                            <a:schemeClr val="tx1"/>
+                          </a:solidFill>
+                          <a:latin typeface="+mn-ea"/>
+                          <a:ea typeface="+mn-ea"/>
+                        </a:rPr>
+                        <a:t>を</a:t>
+                      </a:r>
+                      <a:r>
+                        <a:rPr kumimoji="1" lang="ja-JP" altLang="en-US" sz="3200" b="1" dirty="0" smtClean="0">
+                          <a:ln>
+                            <a:solidFill>
+                              <a:schemeClr val="tx1"/>
+                            </a:solidFill>
+                          </a:ln>
+                          <a:solidFill>
+                            <a:srgbClr val="00B0F0"/>
+                          </a:solidFill>
+                          <a:latin typeface="+mn-ea"/>
+                          <a:ea typeface="+mn-ea"/>
+                        </a:rPr>
+                        <a:t>音波</a:t>
+                      </a:r>
+                      <a:r>
+                        <a:rPr kumimoji="1" lang="ja-JP" altLang="en-US" sz="2400" b="0" dirty="0" smtClean="0">
+                          <a:solidFill>
+                            <a:schemeClr val="tx1"/>
+                          </a:solidFill>
+                          <a:latin typeface="+mn-ea"/>
+                          <a:ea typeface="+mn-ea"/>
+                        </a:rPr>
+                        <a:t>で</a:t>
+                      </a:r>
+                      <a:endParaRPr kumimoji="1" lang="en-US" altLang="ja-JP" sz="2400" b="0" dirty="0" smtClean="0">
+                        <a:solidFill>
+                          <a:schemeClr val="tx1"/>
+                        </a:solidFill>
+                        <a:latin typeface="+mn-ea"/>
+                        <a:ea typeface="+mn-ea"/>
+                      </a:endParaRPr>
+                    </a:p>
+                    <a:p>
+                      <a:pPr marL="0" marR="0" lvl="0" indent="0" algn="l" defTabSz="914400" rtl="0" eaLnBrk="1" fontAlgn="auto" latinLnBrk="0" hangingPunct="1">
+                        <a:lnSpc>
+                          <a:spcPct val="100000"/>
+                        </a:lnSpc>
+                        <a:spcBef>
+                          <a:spcPts val="0"/>
+                        </a:spcBef>
+                        <a:spcAft>
+                          <a:spcPts val="0"/>
+                        </a:spcAft>
+                        <a:buClrTx/>
+                        <a:buSzTx/>
+                        <a:buFontTx/>
+                        <a:buNone/>
+                        <a:tabLst/>
+                        <a:defRPr/>
+                      </a:pPr>
+                      <a:r>
+                        <a:rPr kumimoji="1" lang="ja-JP" altLang="en-US" sz="3200" b="0" dirty="0" smtClean="0">
+                          <a:solidFill>
+                            <a:srgbClr val="FF0000"/>
+                          </a:solidFill>
+                          <a:latin typeface="+mn-ea"/>
+                          <a:ea typeface="+mn-ea"/>
+                        </a:rPr>
+                        <a:t>はさんで</a:t>
+                      </a:r>
+                      <a:endParaRPr kumimoji="1" lang="en-US" altLang="ja-JP" sz="3200" b="0" dirty="0" smtClean="0">
+                        <a:solidFill>
+                          <a:srgbClr val="FF0000"/>
+                        </a:solidFill>
+                        <a:latin typeface="+mn-ea"/>
+                        <a:ea typeface="+mn-ea"/>
+                      </a:endParaRPr>
+                    </a:p>
+                    <a:p>
+                      <a:pPr marL="0" marR="0" lvl="0" indent="0" algn="l" defTabSz="914400" rtl="0" eaLnBrk="1" fontAlgn="auto" latinLnBrk="0" hangingPunct="1">
+                        <a:lnSpc>
+                          <a:spcPct val="100000"/>
+                        </a:lnSpc>
+                        <a:spcBef>
+                          <a:spcPts val="0"/>
+                        </a:spcBef>
+                        <a:spcAft>
+                          <a:spcPts val="0"/>
+                        </a:spcAft>
+                        <a:buClrTx/>
+                        <a:buSzTx/>
+                        <a:buFontTx/>
+                        <a:buNone/>
+                        <a:tabLst/>
+                        <a:defRPr/>
+                      </a:pPr>
+                      <a:r>
+                        <a:rPr kumimoji="1" lang="ja-JP" altLang="en-US" sz="2400" b="0" dirty="0" smtClean="0">
+                          <a:solidFill>
+                            <a:schemeClr val="tx1"/>
+                          </a:solidFill>
+                          <a:latin typeface="+mn-ea"/>
+                          <a:ea typeface="+mn-ea"/>
+                        </a:rPr>
+                        <a:t>捕まえて</a:t>
+                      </a:r>
+                      <a:r>
+                        <a:rPr kumimoji="1" lang="ja-JP" altLang="en-US" sz="2400" b="0" dirty="0" smtClean="0">
+                          <a:solidFill>
+                            <a:schemeClr val="tx1"/>
+                          </a:solidFill>
+                          <a:latin typeface="+mn-ea"/>
+                          <a:ea typeface="+mn-ea"/>
+                        </a:rPr>
+                        <a:t>ください</a:t>
+                      </a:r>
+                    </a:p>
+                    <a:p>
+                      <a:pPr algn="l"/>
+                      <a:endParaRPr kumimoji="1" lang="ja-JP" altLang="en-US" sz="2400" dirty="0"/>
+                    </a:p>
+                  </a:txBody>
+                  <a:tcPr>
+                    <a:solidFill>
+                      <a:schemeClr val="accent1">
+                        <a:lumMod val="20000"/>
+                        <a:lumOff val="80000"/>
+                      </a:schemeClr>
+                    </a:solidFill>
+                  </a:tcPr>
+                </a:tc>
+                <a:tc>
+                  <a:txBody>
+                    <a:bodyPr/>
+                    <a:lstStyle/>
+                    <a:p>
+                      <a:pPr algn="l"/>
+                      <a:r>
+                        <a:rPr kumimoji="1" lang="ja-JP" altLang="en-US" sz="2400" dirty="0" smtClean="0"/>
+                        <a:t>２人のプレイヤーは画面両端をタッチして音を飛ばします</a:t>
+                      </a:r>
+                      <a:endParaRPr kumimoji="1" lang="ja-JP" altLang="en-US" sz="2400" dirty="0"/>
+                    </a:p>
+                  </a:txBody>
+                  <a:tcPr>
+                    <a:solidFill>
+                      <a:schemeClr val="accent1">
+                        <a:lumMod val="20000"/>
+                        <a:lumOff val="80000"/>
+                      </a:schemeClr>
+                    </a:solidFill>
+                  </a:tcPr>
+                </a:tc>
+                <a:tc>
+                  <a:txBody>
+                    <a:bodyPr/>
+                    <a:lstStyle/>
+                    <a:p>
+                      <a:pPr marL="0" marR="0" lvl="0" indent="0" algn="l" defTabSz="914400" rtl="0" eaLnBrk="1" fontAlgn="auto" latinLnBrk="0" hangingPunct="1">
+                        <a:lnSpc>
+                          <a:spcPct val="100000"/>
+                        </a:lnSpc>
+                        <a:spcBef>
+                          <a:spcPts val="0"/>
+                        </a:spcBef>
+                        <a:spcAft>
+                          <a:spcPts val="0"/>
+                        </a:spcAft>
+                        <a:buClrTx/>
+                        <a:buSzTx/>
+                        <a:buFontTx/>
+                        <a:buNone/>
+                        <a:tabLst/>
+                        <a:defRPr/>
+                      </a:pPr>
+                      <a:r>
+                        <a:rPr kumimoji="1" lang="ja-JP" altLang="en-US" sz="2400" b="0" dirty="0" smtClean="0">
+                          <a:solidFill>
+                            <a:schemeClr val="tx1"/>
+                          </a:solidFill>
+                          <a:latin typeface="+mn-ea"/>
+                          <a:ea typeface="+mn-ea"/>
+                        </a:rPr>
+                        <a:t>鰯</a:t>
+                      </a:r>
+                      <a:r>
+                        <a:rPr kumimoji="1" lang="ja-JP" altLang="en-US" sz="2400" b="0" dirty="0" smtClean="0">
+                          <a:solidFill>
+                            <a:schemeClr val="tx1"/>
+                          </a:solidFill>
+                          <a:latin typeface="+mn-ea"/>
+                          <a:ea typeface="+mn-ea"/>
+                        </a:rPr>
+                        <a:t>の数に</a:t>
+                      </a:r>
+                      <a:r>
+                        <a:rPr kumimoji="1" lang="ja-JP" altLang="en-US" sz="2400" b="0" dirty="0" smtClean="0">
+                          <a:solidFill>
+                            <a:schemeClr val="tx1"/>
+                          </a:solidFill>
+                          <a:latin typeface="+mn-ea"/>
+                          <a:ea typeface="+mn-ea"/>
+                        </a:rPr>
+                        <a:t>よって獲得できるスコアが</a:t>
+                      </a:r>
+                      <a:r>
+                        <a:rPr kumimoji="1" lang="en-US" altLang="ja-JP" sz="2400" b="0" dirty="0" smtClean="0">
+                          <a:solidFill>
+                            <a:schemeClr val="tx1"/>
+                          </a:solidFill>
+                          <a:latin typeface="+mn-ea"/>
+                          <a:ea typeface="+mn-ea"/>
+                        </a:rPr>
+                        <a:t>UP!</a:t>
+                      </a:r>
+                      <a:endParaRPr kumimoji="1" lang="en-US" altLang="ja-JP" sz="2400" b="0" dirty="0" smtClean="0">
+                        <a:solidFill>
+                          <a:srgbClr val="C00000"/>
+                        </a:solidFill>
+                        <a:latin typeface="+mn-ea"/>
+                        <a:ea typeface="+mn-ea"/>
+                      </a:endParaRPr>
+                    </a:p>
+                    <a:p>
+                      <a:pPr algn="l"/>
+                      <a:endParaRPr kumimoji="1" lang="ja-JP" altLang="en-US" sz="2400" dirty="0"/>
+                    </a:p>
+                  </a:txBody>
+                  <a:tcPr>
+                    <a:solidFill>
+                      <a:schemeClr val="accent1">
+                        <a:lumMod val="20000"/>
+                        <a:lumOff val="80000"/>
+                      </a:schemeClr>
+                    </a:solidFill>
+                  </a:tcPr>
+                </a:tc>
+              </a:tr>
+            </a:tbl>
+          </a:graphicData>
+        </a:graphic>
+      </p:graphicFrame>
+      <p:pic>
+        <p:nvPicPr>
+          <p:cNvPr id="7" name="図 6"/>
+          <p:cNvPicPr>
+            <a:picLocks noChangeAspect="1"/>
+          </p:cNvPicPr>
+          <p:nvPr/>
+        </p:nvPicPr>
+        <p:blipFill rotWithShape="1">
+          <a:blip r:embed="rId3">
+            <a:extLst>
+              <a:ext uri="{28A0092B-C50C-407E-A947-70E740481C1C}">
+                <a14:useLocalDpi xmlns:a14="http://schemas.microsoft.com/office/drawing/2010/main" val="0"/>
+              </a:ext>
+            </a:extLst>
+          </a:blip>
+          <a:srcRect l="-735" t="-735" r="77328" b="92034"/>
+          <a:stretch/>
+        </p:blipFill>
+        <p:spPr>
+          <a:xfrm>
+            <a:off x="7026324" y="6312467"/>
+            <a:ext cx="1369813" cy="381905"/>
+          </a:xfrm>
+          <a:prstGeom prst="rect">
+            <a:avLst/>
+          </a:prstGeom>
+        </p:spPr>
+      </p:pic>
+      <p:pic>
+        <p:nvPicPr>
+          <p:cNvPr id="11" name="図 10"/>
+          <p:cNvPicPr>
+            <a:picLocks noChangeAspect="1"/>
+          </p:cNvPicPr>
+          <p:nvPr/>
+        </p:nvPicPr>
+        <p:blipFill rotWithShape="1">
+          <a:blip r:embed="rId4">
+            <a:extLst>
+              <a:ext uri="{28A0092B-C50C-407E-A947-70E740481C1C}">
+                <a14:useLocalDpi xmlns:a14="http://schemas.microsoft.com/office/drawing/2010/main" val="0"/>
+              </a:ext>
+            </a:extLst>
+          </a:blip>
+          <a:srcRect t="66013" r="6079"/>
+          <a:stretch/>
+        </p:blipFill>
+        <p:spPr>
+          <a:xfrm flipH="1">
+            <a:off x="1777839" y="5209500"/>
+            <a:ext cx="1262141" cy="1484872"/>
+          </a:xfrm>
+          <a:prstGeom prst="rect">
+            <a:avLst/>
+          </a:prstGeom>
+        </p:spPr>
+      </p:pic>
+      <p:pic>
+        <p:nvPicPr>
+          <p:cNvPr id="13" name="図 12"/>
+          <p:cNvPicPr>
+            <a:picLocks noChangeAspect="1"/>
+          </p:cNvPicPr>
+          <p:nvPr/>
+        </p:nvPicPr>
+        <p:blipFill rotWithShape="1">
+          <a:blip r:embed="rId3">
+            <a:extLst>
+              <a:ext uri="{28A0092B-C50C-407E-A947-70E740481C1C}">
+                <a14:useLocalDpi xmlns:a14="http://schemas.microsoft.com/office/drawing/2010/main" val="0"/>
+              </a:ext>
+            </a:extLst>
+          </a:blip>
+          <a:srcRect l="-735" t="-735" r="77328" b="92034"/>
+          <a:stretch/>
+        </p:blipFill>
+        <p:spPr>
+          <a:xfrm>
+            <a:off x="2751103" y="5760983"/>
+            <a:ext cx="1369813" cy="381905"/>
+          </a:xfrm>
+          <a:prstGeom prst="rect">
+            <a:avLst/>
+          </a:prstGeom>
+        </p:spPr>
+      </p:pic>
+      <p:pic>
+        <p:nvPicPr>
+          <p:cNvPr id="14" name="図 13"/>
+          <p:cNvPicPr>
+            <a:picLocks noChangeAspect="1"/>
+          </p:cNvPicPr>
+          <p:nvPr/>
+        </p:nvPicPr>
+        <p:blipFill rotWithShape="1">
+          <a:blip r:embed="rId4">
+            <a:extLst>
+              <a:ext uri="{28A0092B-C50C-407E-A947-70E740481C1C}">
+                <a14:useLocalDpi xmlns:a14="http://schemas.microsoft.com/office/drawing/2010/main" val="0"/>
+              </a:ext>
+            </a:extLst>
+          </a:blip>
+          <a:srcRect t="66013" r="6079"/>
+          <a:stretch/>
+        </p:blipFill>
+        <p:spPr>
+          <a:xfrm rot="10800000" flipH="1">
+            <a:off x="3876446" y="5291026"/>
+            <a:ext cx="1262141" cy="1484872"/>
+          </a:xfrm>
+          <a:prstGeom prst="rect">
+            <a:avLst/>
+          </a:prstGeom>
+        </p:spPr>
+      </p:pic>
+      <p:sp>
+        <p:nvSpPr>
+          <p:cNvPr id="8" name="フリーフォーム 7"/>
+          <p:cNvSpPr/>
+          <p:nvPr/>
+        </p:nvSpPr>
+        <p:spPr>
+          <a:xfrm>
+            <a:off x="9073478" y="5156200"/>
+            <a:ext cx="2159000" cy="1606550"/>
+          </a:xfrm>
+          <a:custGeom>
+            <a:avLst/>
+            <a:gdLst>
+              <a:gd name="connsiteX0" fmla="*/ 1422400 w 2159000"/>
+              <a:gd name="connsiteY0" fmla="*/ 0 h 1606550"/>
+              <a:gd name="connsiteX1" fmla="*/ 825500 w 2159000"/>
+              <a:gd name="connsiteY1" fmla="*/ 635000 h 1606550"/>
+              <a:gd name="connsiteX2" fmla="*/ 1212850 w 2159000"/>
+              <a:gd name="connsiteY2" fmla="*/ 635000 h 1606550"/>
+              <a:gd name="connsiteX3" fmla="*/ 1206500 w 2159000"/>
+              <a:gd name="connsiteY3" fmla="*/ 952500 h 1606550"/>
+              <a:gd name="connsiteX4" fmla="*/ 996950 w 2159000"/>
+              <a:gd name="connsiteY4" fmla="*/ 1365250 h 1606550"/>
+              <a:gd name="connsiteX5" fmla="*/ 381000 w 2159000"/>
+              <a:gd name="connsiteY5" fmla="*/ 1524000 h 1606550"/>
+              <a:gd name="connsiteX6" fmla="*/ 0 w 2159000"/>
+              <a:gd name="connsiteY6" fmla="*/ 1511300 h 1606550"/>
+              <a:gd name="connsiteX7" fmla="*/ 374650 w 2159000"/>
+              <a:gd name="connsiteY7" fmla="*/ 1600200 h 1606550"/>
+              <a:gd name="connsiteX8" fmla="*/ 1047750 w 2159000"/>
+              <a:gd name="connsiteY8" fmla="*/ 1606550 h 1606550"/>
+              <a:gd name="connsiteX9" fmla="*/ 1492250 w 2159000"/>
+              <a:gd name="connsiteY9" fmla="*/ 1384300 h 1606550"/>
+              <a:gd name="connsiteX10" fmla="*/ 1797050 w 2159000"/>
+              <a:gd name="connsiteY10" fmla="*/ 1047750 h 1606550"/>
+              <a:gd name="connsiteX11" fmla="*/ 1790700 w 2159000"/>
+              <a:gd name="connsiteY11" fmla="*/ 609600 h 1606550"/>
+              <a:gd name="connsiteX12" fmla="*/ 2159000 w 2159000"/>
+              <a:gd name="connsiteY12" fmla="*/ 609600 h 1606550"/>
+              <a:gd name="connsiteX13" fmla="*/ 1422400 w 2159000"/>
+              <a:gd name="connsiteY13" fmla="*/ 0 h 1606550"/>
+            </a:gdLst>
+            <a:ahLst/>
+            <a:cxnLst>
+              <a:cxn ang="0">
+                <a:pos x="connsiteX0" y="connsiteY0"/>
+              </a:cxn>
+              <a:cxn ang="0">
+                <a:pos x="connsiteX1" y="connsiteY1"/>
+              </a:cxn>
+              <a:cxn ang="0">
+                <a:pos x="connsiteX2" y="connsiteY2"/>
+              </a:cxn>
+              <a:cxn ang="0">
+                <a:pos x="connsiteX3" y="connsiteY3"/>
+              </a:cxn>
+              <a:cxn ang="0">
+                <a:pos x="connsiteX4" y="connsiteY4"/>
+              </a:cxn>
+              <a:cxn ang="0">
+                <a:pos x="connsiteX5" y="connsiteY5"/>
+              </a:cxn>
+              <a:cxn ang="0">
+                <a:pos x="connsiteX6" y="connsiteY6"/>
+              </a:cxn>
+              <a:cxn ang="0">
+                <a:pos x="connsiteX7" y="connsiteY7"/>
+              </a:cxn>
+              <a:cxn ang="0">
+                <a:pos x="connsiteX8" y="connsiteY8"/>
+              </a:cxn>
+              <a:cxn ang="0">
+                <a:pos x="connsiteX9" y="connsiteY9"/>
+              </a:cxn>
+              <a:cxn ang="0">
+                <a:pos x="connsiteX10" y="connsiteY10"/>
+              </a:cxn>
+              <a:cxn ang="0">
+                <a:pos x="connsiteX11" y="connsiteY11"/>
+              </a:cxn>
+              <a:cxn ang="0">
+                <a:pos x="connsiteX12" y="connsiteY12"/>
+              </a:cxn>
+              <a:cxn ang="0">
+                <a:pos x="connsiteX13" y="connsiteY13"/>
+              </a:cxn>
+            </a:cxnLst>
+            <a:rect l="l" t="t" r="r" b="b"/>
+            <a:pathLst>
+              <a:path w="2159000" h="1606550">
+                <a:moveTo>
+                  <a:pt x="1422400" y="0"/>
+                </a:moveTo>
+                <a:lnTo>
+                  <a:pt x="825500" y="635000"/>
+                </a:lnTo>
+                <a:lnTo>
+                  <a:pt x="1212850" y="635000"/>
+                </a:lnTo>
+                <a:lnTo>
+                  <a:pt x="1206500" y="952500"/>
+                </a:lnTo>
+                <a:lnTo>
+                  <a:pt x="996950" y="1365250"/>
+                </a:lnTo>
+                <a:lnTo>
+                  <a:pt x="381000" y="1524000"/>
+                </a:lnTo>
+                <a:lnTo>
+                  <a:pt x="0" y="1511300"/>
+                </a:lnTo>
+                <a:lnTo>
+                  <a:pt x="374650" y="1600200"/>
+                </a:lnTo>
+                <a:lnTo>
+                  <a:pt x="1047750" y="1606550"/>
+                </a:lnTo>
+                <a:lnTo>
+                  <a:pt x="1492250" y="1384300"/>
+                </a:lnTo>
+                <a:lnTo>
+                  <a:pt x="1797050" y="1047750"/>
+                </a:lnTo>
+                <a:cubicBezTo>
+                  <a:pt x="1794933" y="901700"/>
+                  <a:pt x="1792817" y="755650"/>
+                  <a:pt x="1790700" y="609600"/>
+                </a:cubicBezTo>
+                <a:lnTo>
+                  <a:pt x="2159000" y="609600"/>
+                </a:lnTo>
+                <a:lnTo>
+                  <a:pt x="1422400" y="0"/>
+                </a:lnTo>
+                <a:close/>
+              </a:path>
+            </a:pathLst>
+          </a:custGeom>
+          <a:gradFill flip="none" rotWithShape="1">
+            <a:gsLst>
+              <a:gs pos="0">
+                <a:srgbClr val="FFFF00"/>
+              </a:gs>
+              <a:gs pos="100000">
+                <a:srgbClr val="FF0000"/>
+              </a:gs>
+            </a:gsLst>
+            <a:lin ang="16200000" scaled="1"/>
+            <a:tileRect/>
+          </a:gradFill>
+        </p:spPr>
+        <p:style>
+          <a:lnRef idx="2">
+            <a:schemeClr val="accent1">
+              <a:shade val="50000"/>
+            </a:schemeClr>
+          </a:lnRef>
+          <a:fillRef idx="1">
+            <a:schemeClr val="accent1"/>
+          </a:fillRef>
+          <a:effectRef idx="0">
+            <a:schemeClr val="accent1"/>
+          </a:effectRef>
+          <a:fontRef idx="minor">
+            <a:schemeClr val="lt1"/>
+          </a:fontRef>
+        </p:style>
+        <p:txBody>
+          <a:bodyPr rtlCol="0" anchor="ctr"/>
+          <a:lstStyle/>
+          <a:p>
+            <a:pPr algn="ctr"/>
+            <a:endParaRPr kumimoji="1" lang="ja-JP" altLang="en-US"/>
+          </a:p>
+        </p:txBody>
+      </p:sp>
+      <p:pic>
+        <p:nvPicPr>
+          <p:cNvPr id="3" name="図 2"/>
+          <p:cNvPicPr>
+            <a:picLocks noChangeAspect="1"/>
+          </p:cNvPicPr>
+          <p:nvPr/>
+        </p:nvPicPr>
+        <p:blipFill rotWithShape="1">
+          <a:blip r:embed="rId3">
+            <a:extLst>
+              <a:ext uri="{28A0092B-C50C-407E-A947-70E740481C1C}">
+                <a14:useLocalDpi xmlns:a14="http://schemas.microsoft.com/office/drawing/2010/main" val="0"/>
+              </a:ext>
+            </a:extLst>
+          </a:blip>
+          <a:srcRect l="-857" t="31092" r="74019" b="49056"/>
+          <a:stretch/>
+        </p:blipFill>
+        <p:spPr>
+          <a:xfrm>
+            <a:off x="9194995" y="4272232"/>
+            <a:ext cx="2072648" cy="1149894"/>
+          </a:xfrm>
+          <a:prstGeom prst="rect">
+            <a:avLst/>
+          </a:prstGeom>
+        </p:spPr>
+      </p:pic>
+      <p:pic>
+        <p:nvPicPr>
+          <p:cNvPr id="12" name="図 11"/>
+          <p:cNvPicPr>
+            <a:picLocks noChangeAspect="1"/>
+          </p:cNvPicPr>
+          <p:nvPr/>
+        </p:nvPicPr>
+        <p:blipFill rotWithShape="1">
+          <a:blip r:embed="rId5">
+            <a:extLst>
+              <a:ext uri="{28A0092B-C50C-407E-A947-70E740481C1C}">
+                <a14:useLocalDpi xmlns:a14="http://schemas.microsoft.com/office/drawing/2010/main" val="0"/>
+              </a:ext>
+            </a:extLst>
+          </a:blip>
+          <a:srcRect l="520" t="10938" r="62370" b="66369"/>
+          <a:stretch/>
+        </p:blipFill>
+        <p:spPr>
+          <a:xfrm>
+            <a:off x="8237012" y="5427920"/>
+            <a:ext cx="1915966" cy="878753"/>
+          </a:xfrm>
+          <a:prstGeom prst="rect">
+            <a:avLst/>
+          </a:prstGeom>
+        </p:spPr>
+      </p:pic>
     </p:spTree>
     <p:extLst>
       <p:ext uri="{BB962C8B-B14F-4D97-AF65-F5344CB8AC3E}">
-        <p14:creationId xmlns:p14="http://schemas.microsoft.com/office/powerpoint/2010/main" val="3230256669"/>
+        <p14:creationId xmlns:p14="http://schemas.microsoft.com/office/powerpoint/2010/main" val="2380424332"/>
       </p:ext>
     </p:extLst>
   </p:cSld>
@@ -4624,7 +5654,7 @@
 </p:sld>
 </file>
 
-<file path=ppt/slides/slide5.xml><?xml version="1.0" encoding="utf-8"?>
+<file path=ppt/slides/slide6.xml><?xml version="1.0" encoding="utf-8"?>
 <p:sld xmlns:a="http://schemas.openxmlformats.org/drawingml/2006/main" xmlns:r="http://schemas.openxmlformats.org/officeDocument/2006/relationships" xmlns:p="http://schemas.openxmlformats.org/presentationml/2006/main">
   <p:cSld>
     <p:spTree>
@@ -4660,6 +5690,191 @@
           </a:p>
         </p:txBody>
       </p:sp>
+      <p:graphicFrame>
+        <p:nvGraphicFramePr>
+          <p:cNvPr id="8" name="表 7"/>
+          <p:cNvGraphicFramePr>
+            <a:graphicFrameLocks noGrp="1"/>
+          </p:cNvGraphicFramePr>
+          <p:nvPr>
+            <p:extLst>
+              <p:ext uri="{D42A27DB-BD31-4B8C-83A1-F6EECF244321}">
+                <p14:modId xmlns:p14="http://schemas.microsoft.com/office/powerpoint/2010/main" val="3959677460"/>
+              </p:ext>
+            </p:extLst>
+          </p:nvPr>
+        </p:nvGraphicFramePr>
+        <p:xfrm>
+          <a:off x="2225936" y="1690689"/>
+          <a:ext cx="7843522" cy="4969993"/>
+        </p:xfrm>
+        <a:graphic>
+          <a:graphicData uri="http://schemas.openxmlformats.org/drawingml/2006/table">
+            <a:tbl>
+              <a:tblPr firstRow="1" bandRow="1">
+                <a:tableStyleId>{16D9F66E-5EB9-4882-86FB-DCBF35E3C3E4}</a:tableStyleId>
+              </a:tblPr>
+              <a:tblGrid>
+                <a:gridCol w="3921761"/>
+                <a:gridCol w="3921761"/>
+              </a:tblGrid>
+              <a:tr h="1541488">
+                <a:tc>
+                  <a:txBody>
+                    <a:bodyPr/>
+                    <a:lstStyle/>
+                    <a:p>
+                      <a:r>
+                        <a:rPr kumimoji="1" lang="ja-JP" altLang="en-US" sz="4400" b="0" dirty="0" smtClean="0"/>
+                        <a:t>河本</a:t>
+                      </a:r>
+                      <a:endParaRPr kumimoji="1" lang="ja-JP" altLang="en-US" sz="4400" b="0" dirty="0"/>
+                    </a:p>
+                  </a:txBody>
+                  <a:tcPr/>
+                </a:tc>
+                <a:tc>
+                  <a:txBody>
+                    <a:bodyPr/>
+                    <a:lstStyle/>
+                    <a:p>
+                      <a:r>
+                        <a:rPr kumimoji="1" lang="en-US" altLang="ja-JP" sz="2800" b="1" dirty="0" smtClean="0"/>
+                        <a:t>Android</a:t>
+                      </a:r>
+                      <a:r>
+                        <a:rPr kumimoji="1" lang="ja-JP" altLang="en-US" sz="2800" b="1" dirty="0" smtClean="0"/>
+                        <a:t>実機での実装</a:t>
+                      </a:r>
+                      <a:endParaRPr kumimoji="1" lang="en-US" altLang="ja-JP" sz="2800" b="1" dirty="0" smtClean="0"/>
+                    </a:p>
+                    <a:p>
+                      <a:r>
+                        <a:rPr kumimoji="1" lang="ja-JP" altLang="en-US" sz="2800" b="1" dirty="0" smtClean="0"/>
+                        <a:t>プレイシーン全般</a:t>
+                      </a:r>
+                      <a:endParaRPr kumimoji="1" lang="en-US" altLang="ja-JP" sz="2800" b="1" dirty="0" smtClean="0"/>
+                    </a:p>
+                    <a:p>
+                      <a:r>
+                        <a:rPr kumimoji="1" lang="ja-JP" altLang="en-US" sz="2800" b="1" dirty="0" smtClean="0"/>
+                        <a:t>チーム指揮</a:t>
+                      </a:r>
+                      <a:endParaRPr kumimoji="1" lang="ja-JP" altLang="en-US" sz="2800" b="1" dirty="0"/>
+                    </a:p>
+                  </a:txBody>
+                  <a:tcPr/>
+                </a:tc>
+              </a:tr>
+              <a:tr h="1142835">
+                <a:tc>
+                  <a:txBody>
+                    <a:bodyPr/>
+                    <a:lstStyle/>
+                    <a:p>
+                      <a:r>
+                        <a:rPr kumimoji="1" lang="ja-JP" altLang="en-US" sz="4400" dirty="0" smtClean="0"/>
+                        <a:t>坂巻</a:t>
+                      </a:r>
+                      <a:endParaRPr kumimoji="1" lang="ja-JP" altLang="en-US" sz="4400" dirty="0"/>
+                    </a:p>
+                  </a:txBody>
+                  <a:tcPr/>
+                </a:tc>
+                <a:tc>
+                  <a:txBody>
+                    <a:bodyPr/>
+                    <a:lstStyle/>
+                    <a:p>
+                      <a:r>
+                        <a:rPr kumimoji="1" lang="ja-JP" altLang="en-US" sz="2800" b="1" dirty="0" smtClean="0"/>
+                        <a:t>プレイシーン</a:t>
+                      </a:r>
+                      <a:endParaRPr kumimoji="1" lang="en-US" altLang="ja-JP" sz="2800" b="1" dirty="0" smtClean="0"/>
+                    </a:p>
+                    <a:p>
+                      <a:r>
+                        <a:rPr kumimoji="1" lang="ja-JP" altLang="en-US" sz="2800" b="1" dirty="0" smtClean="0"/>
+                        <a:t>デバッグ</a:t>
+                      </a:r>
+                      <a:endParaRPr kumimoji="1" lang="ja-JP" altLang="en-US" sz="2800" b="1" dirty="0"/>
+                    </a:p>
+                  </a:txBody>
+                  <a:tcPr/>
+                </a:tc>
+              </a:tr>
+              <a:tr h="1142835">
+                <a:tc>
+                  <a:txBody>
+                    <a:bodyPr/>
+                    <a:lstStyle/>
+                    <a:p>
+                      <a:r>
+                        <a:rPr kumimoji="1" lang="ja-JP" altLang="en-US" sz="4400" dirty="0" smtClean="0"/>
+                        <a:t>中田</a:t>
+                      </a:r>
+                      <a:endParaRPr kumimoji="1" lang="ja-JP" altLang="en-US" sz="4400" dirty="0"/>
+                    </a:p>
+                  </a:txBody>
+                  <a:tcPr/>
+                </a:tc>
+                <a:tc>
+                  <a:txBody>
+                    <a:bodyPr/>
+                    <a:lstStyle/>
+                    <a:p>
+                      <a:r>
+                        <a:rPr kumimoji="1" lang="ja-JP" altLang="en-US" sz="2800" b="1" smtClean="0"/>
+                        <a:t>タイトルシーン、リザルトシーン、</a:t>
+                      </a:r>
+                      <a:r>
+                        <a:rPr kumimoji="1" lang="en-US" altLang="ja-JP" sz="2800" b="1" smtClean="0"/>
+                        <a:t>UI</a:t>
+                      </a:r>
+                      <a:endParaRPr kumimoji="1" lang="ja-JP" altLang="en-US" sz="2800" b="1" dirty="0"/>
+                    </a:p>
+                  </a:txBody>
+                  <a:tcPr/>
+                </a:tc>
+              </a:tr>
+              <a:tr h="1142835">
+                <a:tc>
+                  <a:txBody>
+                    <a:bodyPr/>
+                    <a:lstStyle/>
+                    <a:p>
+                      <a:r>
+                        <a:rPr kumimoji="1" lang="ja-JP" altLang="en-US" sz="4400" dirty="0" smtClean="0"/>
+                        <a:t>森</a:t>
+                      </a:r>
+                      <a:endParaRPr kumimoji="1" lang="ja-JP" altLang="en-US" sz="4400" dirty="0"/>
+                    </a:p>
+                  </a:txBody>
+                  <a:tcPr/>
+                </a:tc>
+                <a:tc>
+                  <a:txBody>
+                    <a:bodyPr/>
+                    <a:lstStyle/>
+                    <a:p>
+                      <a:r>
+                        <a:rPr kumimoji="1" lang="en-US" altLang="ja-JP" sz="2800" b="1" dirty="0" smtClean="0"/>
+                        <a:t>UI,</a:t>
+                      </a:r>
+                      <a:r>
+                        <a:rPr kumimoji="1" lang="ja-JP" altLang="en-US" sz="2800" b="1" dirty="0" smtClean="0"/>
+                        <a:t>リソース</a:t>
+                      </a:r>
+                      <a:endParaRPr kumimoji="1" lang="ja-JP" altLang="en-US" sz="2800" b="1" dirty="0"/>
+                    </a:p>
+                  </a:txBody>
+                  <a:tcPr/>
+                </a:tc>
+              </a:tr>
+            </a:tbl>
+          </a:graphicData>
+        </a:graphic>
+      </p:graphicFrame>
       <p:sp>
         <p:nvSpPr>
           <p:cNvPr id="11" name="正方形/長方形 10"/>
@@ -4778,7 +5993,7 @@
                   </a:glow>
                 </a:effectLst>
               </a:rPr>
-              <a:t>まとめ・反省</a:t>
+              <a:t>役割分担</a:t>
             </a:r>
             <a:endParaRPr lang="ja-JP" altLang="en-US" dirty="0">
               <a:effectLst>
@@ -4793,6 +6008,208 @@
           </a:p>
         </p:txBody>
       </p:sp>
+    </p:spTree>
+    <p:extLst>
+      <p:ext uri="{BB962C8B-B14F-4D97-AF65-F5344CB8AC3E}">
+        <p14:creationId xmlns:p14="http://schemas.microsoft.com/office/powerpoint/2010/main" val="3230256669"/>
+      </p:ext>
+    </p:extLst>
+  </p:cSld>
+  <p:clrMapOvr>
+    <a:masterClrMapping/>
+  </p:clrMapOvr>
+  <p:timing>
+    <p:tnLst>
+      <p:par>
+        <p:cTn id="1" dur="indefinite" restart="never" nodeType="tmRoot"/>
+      </p:par>
+    </p:tnLst>
+  </p:timing>
+</p:sld>
+</file>
+
+<file path=ppt/slides/slide7.xml><?xml version="1.0" encoding="utf-8"?>
+<p:sld xmlns:a="http://schemas.openxmlformats.org/drawingml/2006/main" xmlns:r="http://schemas.openxmlformats.org/officeDocument/2006/relationships" xmlns:p="http://schemas.openxmlformats.org/presentationml/2006/main">
+  <p:cSld>
+    <p:spTree>
+      <p:nvGrpSpPr>
+        <p:cNvPr id="1" name=""/>
+        <p:cNvGrpSpPr/>
+        <p:nvPr/>
+      </p:nvGrpSpPr>
+      <p:grpSpPr>
+        <a:xfrm>
+          <a:off x="0" y="0"/>
+          <a:ext cx="0" cy="0"/>
+          <a:chOff x="0" y="0"/>
+          <a:chExt cx="0" cy="0"/>
+        </a:xfrm>
+      </p:grpSpPr>
+      <p:sp>
+        <p:nvSpPr>
+          <p:cNvPr id="2" name="タイトル 1"/>
+          <p:cNvSpPr>
+            <a:spLocks noGrp="1"/>
+          </p:cNvSpPr>
+          <p:nvPr>
+            <p:ph type="title"/>
+          </p:nvPr>
+        </p:nvSpPr>
+        <p:spPr/>
+        <p:txBody>
+          <a:bodyPr/>
+          <a:lstStyle/>
+          <a:p>
+            <a:endParaRPr kumimoji="1" lang="ja-JP" altLang="en-US" dirty="0"/>
+          </a:p>
+        </p:txBody>
+      </p:sp>
+      <p:sp>
+        <p:nvSpPr>
+          <p:cNvPr id="11" name="正方形/長方形 10"/>
+          <p:cNvSpPr/>
+          <p:nvPr/>
+        </p:nvSpPr>
+        <p:spPr>
+          <a:xfrm>
+            <a:off x="0" y="0"/>
+            <a:ext cx="12192000" cy="1690688"/>
+          </a:xfrm>
+          <a:prstGeom prst="rect">
+            <a:avLst/>
+          </a:prstGeom>
+          <a:blipFill>
+            <a:blip r:embed="rId2"/>
+            <a:tile tx="0" ty="0" sx="100000" sy="100000" flip="none" algn="tl"/>
+          </a:blipFill>
+          <a:ln>
+            <a:noFill/>
+          </a:ln>
+          <a:effectLst>
+            <a:outerShdw blurRad="107950" dist="12700" dir="5400000" algn="ctr">
+              <a:srgbClr val="000000"/>
+            </a:outerShdw>
+          </a:effectLst>
+          <a:scene3d>
+            <a:camera prst="orthographicFront">
+              <a:rot lat="0" lon="0" rev="0"/>
+            </a:camera>
+            <a:lightRig rig="soft" dir="t">
+              <a:rot lat="0" lon="0" rev="0"/>
+            </a:lightRig>
+          </a:scene3d>
+          <a:sp3d contourW="44450" prstMaterial="matte">
+            <a:bevelT w="63500" h="63500" prst="artDeco"/>
+            <a:contourClr>
+              <a:srgbClr val="FFFFFF"/>
+            </a:contourClr>
+          </a:sp3d>
+        </p:spPr>
+        <p:style>
+          <a:lnRef idx="2">
+            <a:schemeClr val="accent1">
+              <a:shade val="50000"/>
+            </a:schemeClr>
+          </a:lnRef>
+          <a:fillRef idx="1">
+            <a:schemeClr val="accent1"/>
+          </a:fillRef>
+          <a:effectRef idx="0">
+            <a:schemeClr val="accent1"/>
+          </a:effectRef>
+          <a:fontRef idx="minor">
+            <a:schemeClr val="lt1"/>
+          </a:fontRef>
+        </p:style>
+        <p:txBody>
+          <a:bodyPr rtlCol="0" anchor="ctr"/>
+          <a:lstStyle/>
+          <a:p>
+            <a:pPr algn="ctr"/>
+            <a:endParaRPr kumimoji="1" lang="ja-JP" altLang="en-US"/>
+          </a:p>
+        </p:txBody>
+      </p:sp>
+      <p:sp>
+        <p:nvSpPr>
+          <p:cNvPr id="12" name="タイトル 1"/>
+          <p:cNvSpPr txBox="1">
+            <a:spLocks/>
+          </p:cNvSpPr>
+          <p:nvPr/>
+        </p:nvSpPr>
+        <p:spPr>
+          <a:xfrm>
+            <a:off x="838200" y="182562"/>
+            <a:ext cx="10515600" cy="1325563"/>
+          </a:xfrm>
+          <a:prstGeom prst="rect">
+            <a:avLst/>
+          </a:prstGeom>
+        </p:spPr>
+        <p:txBody>
+          <a:bodyPr vert="horz" lIns="91440" tIns="45720" rIns="91440" bIns="45720" rtlCol="0" anchor="ctr">
+            <a:normAutofit/>
+          </a:bodyPr>
+          <a:lstStyle>
+            <a:lvl1pPr algn="l" defTabSz="914400" rtl="0" eaLnBrk="1" latinLnBrk="0" hangingPunct="1">
+              <a:lnSpc>
+                <a:spcPct val="90000"/>
+              </a:lnSpc>
+              <a:spcBef>
+                <a:spcPct val="0"/>
+              </a:spcBef>
+              <a:buNone/>
+              <a:defRPr kumimoji="1" sz="4400" kern="1200">
+                <a:solidFill>
+                  <a:schemeClr val="tx1"/>
+                </a:solidFill>
+                <a:latin typeface="+mj-lt"/>
+                <a:ea typeface="+mj-ea"/>
+                <a:cs typeface="+mj-cs"/>
+              </a:defRPr>
+            </a:lvl1pPr>
+          </a:lstStyle>
+          <a:p>
+            <a:r>
+              <a:rPr lang="ja-JP" altLang="en-US" dirty="0" smtClean="0">
+                <a:effectLst>
+                  <a:glow rad="228600">
+                    <a:schemeClr val="accent5">
+                      <a:satMod val="175000"/>
+                      <a:alpha val="40000"/>
+                    </a:schemeClr>
+                  </a:glow>
+                </a:effectLst>
+              </a:rPr>
+              <a:t>工夫</a:t>
+            </a:r>
+            <a:r>
+              <a:rPr lang="ja-JP" altLang="en-US" dirty="0">
+                <a:effectLst>
+                  <a:glow rad="228600">
+                    <a:schemeClr val="accent5">
+                      <a:satMod val="175000"/>
+                      <a:alpha val="40000"/>
+                    </a:schemeClr>
+                  </a:glow>
+                </a:effectLst>
+              </a:rPr>
+              <a:t>点</a:t>
+            </a:r>
+            <a:endParaRPr lang="ja-JP" altLang="en-US" dirty="0">
+              <a:effectLst>
+                <a:glow rad="228600">
+                  <a:schemeClr val="accent5">
+                    <a:satMod val="175000"/>
+                    <a:alpha val="40000"/>
+                  </a:schemeClr>
+                </a:glow>
+              </a:effectLst>
+            </a:endParaRPr>
+          </a:p>
+        </p:txBody>
+      </p:sp>
       <p:graphicFrame>
         <p:nvGraphicFramePr>
           <p:cNvPr id="3" name="表 2"/>
@@ -4802,7 +6219,7 @@
           <p:nvPr>
             <p:extLst>
               <p:ext uri="{D42A27DB-BD31-4B8C-83A1-F6EECF244321}">
-                <p14:modId xmlns:p14="http://schemas.microsoft.com/office/powerpoint/2010/main" val="3758043961"/>
+                <p14:modId xmlns:p14="http://schemas.microsoft.com/office/powerpoint/2010/main" val="835003853"/>
               </p:ext>
             </p:extLst>
           </p:nvPr>
@@ -4825,6 +6242,214 @@
                   <a:txBody>
                     <a:bodyPr/>
                     <a:lstStyle/>
+                    <a:p>
+                      <a:pPr marL="0" marR="0" indent="0" algn="l" defTabSz="914400" rtl="0" eaLnBrk="1" fontAlgn="auto" latinLnBrk="0" hangingPunct="1">
+                        <a:lnSpc>
+                          <a:spcPct val="100000"/>
+                        </a:lnSpc>
+                        <a:spcBef>
+                          <a:spcPts val="0"/>
+                        </a:spcBef>
+                        <a:spcAft>
+                          <a:spcPts val="0"/>
+                        </a:spcAft>
+                        <a:buClrTx/>
+                        <a:buSzTx/>
+                        <a:buFont typeface="Arial" panose="020B0604020202020204" pitchFamily="34" charset="0"/>
+                        <a:buNone/>
+                        <a:tabLst/>
+                        <a:defRPr/>
+                      </a:pPr>
+                      <a:r>
+                        <a:rPr kumimoji="1" lang="ja-JP" altLang="en-US" sz="4400" dirty="0" smtClean="0">
+                          <a:solidFill>
+                            <a:schemeClr val="tx1"/>
+                          </a:solidFill>
+                        </a:rPr>
+                        <a:t>◇操作性</a:t>
+                      </a:r>
+                      <a:endParaRPr kumimoji="1" lang="en-US" altLang="ja-JP" sz="4400" dirty="0" smtClean="0">
+                        <a:solidFill>
+                          <a:schemeClr val="tx1"/>
+                        </a:solidFill>
+                      </a:endParaRPr>
+                    </a:p>
+                    <a:p>
+                      <a:pPr marL="0" marR="0" indent="0" algn="l" defTabSz="914400" rtl="0" eaLnBrk="1" fontAlgn="auto" latinLnBrk="0" hangingPunct="1">
+                        <a:lnSpc>
+                          <a:spcPct val="100000"/>
+                        </a:lnSpc>
+                        <a:spcBef>
+                          <a:spcPts val="0"/>
+                        </a:spcBef>
+                        <a:spcAft>
+                          <a:spcPts val="0"/>
+                        </a:spcAft>
+                        <a:buClrTx/>
+                        <a:buSzTx/>
+                        <a:buFont typeface="Arial" panose="020B0604020202020204" pitchFamily="34" charset="0"/>
+                        <a:buNone/>
+                        <a:tabLst/>
+                        <a:defRPr/>
+                      </a:pPr>
+                      <a:r>
+                        <a:rPr kumimoji="1" lang="ja-JP" altLang="en-US" sz="4400" baseline="0" dirty="0" smtClean="0">
+                          <a:solidFill>
+                            <a:schemeClr val="tx1"/>
+                          </a:solidFill>
+                        </a:rPr>
+                        <a:t>　</a:t>
+                      </a:r>
+                      <a:r>
+                        <a:rPr kumimoji="1" lang="en-US" altLang="ja-JP" sz="3200" dirty="0" smtClean="0">
+                          <a:solidFill>
+                            <a:schemeClr val="tx1"/>
+                          </a:solidFill>
+                        </a:rPr>
+                        <a:t>L</a:t>
+                      </a:r>
+                      <a:r>
+                        <a:rPr kumimoji="1" lang="ja-JP" altLang="en-US" sz="3200" dirty="0" smtClean="0">
+                          <a:solidFill>
+                            <a:srgbClr val="FF0000"/>
+                          </a:solidFill>
+                        </a:rPr>
+                        <a:t>実機でのプレイ</a:t>
+                      </a:r>
+                      <a:r>
+                        <a:rPr kumimoji="1" lang="ja-JP" altLang="en-US" sz="3200" dirty="0" smtClean="0">
+                          <a:solidFill>
+                            <a:schemeClr val="tx1"/>
+                          </a:solidFill>
+                        </a:rPr>
+                        <a:t>を考慮</a:t>
+                      </a:r>
+                      <a:endParaRPr kumimoji="1" lang="en-US" altLang="ja-JP" sz="3200" dirty="0" smtClean="0">
+                        <a:solidFill>
+                          <a:schemeClr val="tx1"/>
+                        </a:solidFill>
+                      </a:endParaRPr>
+                    </a:p>
+                    <a:p>
+                      <a:pPr marL="0" marR="0" indent="0" algn="l" defTabSz="914400" rtl="0" eaLnBrk="1" fontAlgn="auto" latinLnBrk="0" hangingPunct="1">
+                        <a:lnSpc>
+                          <a:spcPct val="100000"/>
+                        </a:lnSpc>
+                        <a:spcBef>
+                          <a:spcPts val="0"/>
+                        </a:spcBef>
+                        <a:spcAft>
+                          <a:spcPts val="0"/>
+                        </a:spcAft>
+                        <a:buClrTx/>
+                        <a:buSzTx/>
+                        <a:buFont typeface="Arial" panose="020B0604020202020204" pitchFamily="34" charset="0"/>
+                        <a:buNone/>
+                        <a:tabLst/>
+                        <a:defRPr/>
+                      </a:pPr>
+                      <a:endParaRPr kumimoji="1" lang="en-US" altLang="ja-JP" sz="3200" dirty="0" smtClean="0">
+                        <a:solidFill>
+                          <a:schemeClr val="tx1"/>
+                        </a:solidFill>
+                      </a:endParaRPr>
+                    </a:p>
+                    <a:p>
+                      <a:pPr marL="0" marR="0" indent="0" algn="l" defTabSz="914400" rtl="0" eaLnBrk="1" fontAlgn="auto" latinLnBrk="0" hangingPunct="1">
+                        <a:lnSpc>
+                          <a:spcPct val="100000"/>
+                        </a:lnSpc>
+                        <a:spcBef>
+                          <a:spcPts val="0"/>
+                        </a:spcBef>
+                        <a:spcAft>
+                          <a:spcPts val="0"/>
+                        </a:spcAft>
+                        <a:buClrTx/>
+                        <a:buSzTx/>
+                        <a:buFont typeface="Arial" panose="020B0604020202020204" pitchFamily="34" charset="0"/>
+                        <a:buNone/>
+                        <a:tabLst/>
+                        <a:defRPr/>
+                      </a:pPr>
+                      <a:r>
+                        <a:rPr kumimoji="1" lang="ja-JP" altLang="en-US" sz="4400" dirty="0" smtClean="0">
+                          <a:solidFill>
+                            <a:schemeClr val="tx1"/>
+                          </a:solidFill>
+                        </a:rPr>
+                        <a:t>◇エフェクト、演出</a:t>
+                      </a:r>
+                      <a:endParaRPr kumimoji="1" lang="en-US" altLang="ja-JP" sz="4400" dirty="0" smtClean="0">
+                        <a:solidFill>
+                          <a:schemeClr val="tx1"/>
+                        </a:solidFill>
+                      </a:endParaRPr>
+                    </a:p>
+                    <a:p>
+                      <a:pPr marL="0" marR="0" indent="0" algn="l" defTabSz="914400" rtl="0" eaLnBrk="1" fontAlgn="auto" latinLnBrk="0" hangingPunct="1">
+                        <a:lnSpc>
+                          <a:spcPct val="100000"/>
+                        </a:lnSpc>
+                        <a:spcBef>
+                          <a:spcPts val="0"/>
+                        </a:spcBef>
+                        <a:spcAft>
+                          <a:spcPts val="0"/>
+                        </a:spcAft>
+                        <a:buClrTx/>
+                        <a:buSzTx/>
+                        <a:buFont typeface="Arial" panose="020B0604020202020204" pitchFamily="34" charset="0"/>
+                        <a:buNone/>
+                        <a:tabLst/>
+                        <a:defRPr/>
+                      </a:pPr>
+                      <a:r>
+                        <a:rPr kumimoji="1" lang="ja-JP" altLang="en-US" sz="3200" dirty="0" smtClean="0">
+                          <a:solidFill>
+                            <a:schemeClr val="tx1"/>
+                          </a:solidFill>
+                        </a:rPr>
+                        <a:t>　</a:t>
+                      </a:r>
+                      <a:r>
+                        <a:rPr kumimoji="1" lang="en-US" altLang="ja-JP" sz="3200" dirty="0" smtClean="0">
+                          <a:solidFill>
+                            <a:schemeClr val="tx1"/>
+                          </a:solidFill>
+                        </a:rPr>
+                        <a:t>L</a:t>
+                      </a:r>
+                      <a:r>
+                        <a:rPr kumimoji="1" lang="ja-JP" altLang="en-US" sz="3200" dirty="0" smtClean="0">
+                          <a:solidFill>
+                            <a:schemeClr val="tx1"/>
+                          </a:solidFill>
+                        </a:rPr>
+                        <a:t>より</a:t>
+                      </a:r>
+                      <a:r>
+                        <a:rPr kumimoji="1" lang="ja-JP" altLang="en-US" sz="3200" dirty="0" smtClean="0">
+                          <a:solidFill>
+                            <a:srgbClr val="FF0000"/>
+                          </a:solidFill>
+                        </a:rPr>
+                        <a:t>ゲームらしさ</a:t>
+                      </a:r>
+                      <a:r>
+                        <a:rPr kumimoji="1" lang="ja-JP" altLang="en-US" sz="3200" dirty="0" smtClean="0">
+                          <a:solidFill>
+                            <a:schemeClr val="tx1"/>
+                          </a:solidFill>
+                        </a:rPr>
+                        <a:t>を高めた</a:t>
+                      </a:r>
+                      <a:endParaRPr kumimoji="1" lang="en-US" altLang="ja-JP" sz="3200" dirty="0" smtClean="0">
+                        <a:solidFill>
+                          <a:schemeClr val="tx1"/>
+                        </a:solidFill>
+                      </a:endParaRPr>
+                    </a:p>
                     <a:p>
                       <a:pPr marL="0" indent="0">
                         <a:buFont typeface="Arial" panose="020B0604020202020204" pitchFamily="34" charset="0"/>
@@ -4871,7 +6496,485 @@
 </p:sld>
 </file>
 
-<file path=ppt/slides/slide6.xml><?xml version="1.0" encoding="utf-8"?>
+<file path=ppt/slides/slide8.xml><?xml version="1.0" encoding="utf-8"?>
+<p:sld xmlns:a="http://schemas.openxmlformats.org/drawingml/2006/main" xmlns:r="http://schemas.openxmlformats.org/officeDocument/2006/relationships" xmlns:p="http://schemas.openxmlformats.org/presentationml/2006/main">
+  <p:cSld>
+    <p:spTree>
+      <p:nvGrpSpPr>
+        <p:cNvPr id="1" name=""/>
+        <p:cNvGrpSpPr/>
+        <p:nvPr/>
+      </p:nvGrpSpPr>
+      <p:grpSpPr>
+        <a:xfrm>
+          <a:off x="0" y="0"/>
+          <a:ext cx="0" cy="0"/>
+          <a:chOff x="0" y="0"/>
+          <a:chExt cx="0" cy="0"/>
+        </a:xfrm>
+      </p:grpSpPr>
+      <p:sp>
+        <p:nvSpPr>
+          <p:cNvPr id="2" name="タイトル 1"/>
+          <p:cNvSpPr>
+            <a:spLocks noGrp="1"/>
+          </p:cNvSpPr>
+          <p:nvPr>
+            <p:ph type="title"/>
+          </p:nvPr>
+        </p:nvSpPr>
+        <p:spPr/>
+        <p:txBody>
+          <a:bodyPr/>
+          <a:lstStyle/>
+          <a:p>
+            <a:endParaRPr kumimoji="1" lang="ja-JP" altLang="en-US" dirty="0"/>
+          </a:p>
+        </p:txBody>
+      </p:sp>
+      <p:sp>
+        <p:nvSpPr>
+          <p:cNvPr id="11" name="正方形/長方形 10"/>
+          <p:cNvSpPr/>
+          <p:nvPr/>
+        </p:nvSpPr>
+        <p:spPr>
+          <a:xfrm>
+            <a:off x="0" y="0"/>
+            <a:ext cx="12192000" cy="1690688"/>
+          </a:xfrm>
+          <a:prstGeom prst="rect">
+            <a:avLst/>
+          </a:prstGeom>
+          <a:blipFill>
+            <a:blip r:embed="rId2"/>
+            <a:tile tx="0" ty="0" sx="100000" sy="100000" flip="none" algn="tl"/>
+          </a:blipFill>
+          <a:ln>
+            <a:noFill/>
+          </a:ln>
+          <a:effectLst>
+            <a:outerShdw blurRad="107950" dist="12700" dir="5400000" algn="ctr">
+              <a:srgbClr val="000000"/>
+            </a:outerShdw>
+          </a:effectLst>
+          <a:scene3d>
+            <a:camera prst="orthographicFront">
+              <a:rot lat="0" lon="0" rev="0"/>
+            </a:camera>
+            <a:lightRig rig="soft" dir="t">
+              <a:rot lat="0" lon="0" rev="0"/>
+            </a:lightRig>
+          </a:scene3d>
+          <a:sp3d contourW="44450" prstMaterial="matte">
+            <a:bevelT w="63500" h="63500" prst="artDeco"/>
+            <a:contourClr>
+              <a:srgbClr val="FFFFFF"/>
+            </a:contourClr>
+          </a:sp3d>
+        </p:spPr>
+        <p:style>
+          <a:lnRef idx="2">
+            <a:schemeClr val="accent1">
+              <a:shade val="50000"/>
+            </a:schemeClr>
+          </a:lnRef>
+          <a:fillRef idx="1">
+            <a:schemeClr val="accent1"/>
+          </a:fillRef>
+          <a:effectRef idx="0">
+            <a:schemeClr val="accent1"/>
+          </a:effectRef>
+          <a:fontRef idx="minor">
+            <a:schemeClr val="lt1"/>
+          </a:fontRef>
+        </p:style>
+        <p:txBody>
+          <a:bodyPr rtlCol="0" anchor="ctr"/>
+          <a:lstStyle/>
+          <a:p>
+            <a:pPr algn="ctr"/>
+            <a:endParaRPr kumimoji="1" lang="ja-JP" altLang="en-US"/>
+          </a:p>
+        </p:txBody>
+      </p:sp>
+      <p:sp>
+        <p:nvSpPr>
+          <p:cNvPr id="12" name="タイトル 1"/>
+          <p:cNvSpPr txBox="1">
+            <a:spLocks/>
+          </p:cNvSpPr>
+          <p:nvPr/>
+        </p:nvSpPr>
+        <p:spPr>
+          <a:xfrm>
+            <a:off x="838200" y="182562"/>
+            <a:ext cx="10515600" cy="1325563"/>
+          </a:xfrm>
+          <a:prstGeom prst="rect">
+            <a:avLst/>
+          </a:prstGeom>
+        </p:spPr>
+        <p:txBody>
+          <a:bodyPr vert="horz" lIns="91440" tIns="45720" rIns="91440" bIns="45720" rtlCol="0" anchor="ctr">
+            <a:normAutofit/>
+          </a:bodyPr>
+          <a:lstStyle>
+            <a:lvl1pPr algn="l" defTabSz="914400" rtl="0" eaLnBrk="1" latinLnBrk="0" hangingPunct="1">
+              <a:lnSpc>
+                <a:spcPct val="90000"/>
+              </a:lnSpc>
+              <a:spcBef>
+                <a:spcPct val="0"/>
+              </a:spcBef>
+              <a:buNone/>
+              <a:defRPr kumimoji="1" sz="4400" kern="1200">
+                <a:solidFill>
+                  <a:schemeClr val="tx1"/>
+                </a:solidFill>
+                <a:latin typeface="+mj-lt"/>
+                <a:ea typeface="+mj-ea"/>
+                <a:cs typeface="+mj-cs"/>
+              </a:defRPr>
+            </a:lvl1pPr>
+          </a:lstStyle>
+          <a:p>
+            <a:r>
+              <a:rPr lang="ja-JP" altLang="en-US" dirty="0" smtClean="0">
+                <a:effectLst>
+                  <a:glow rad="228600">
+                    <a:schemeClr val="accent5">
+                      <a:satMod val="175000"/>
+                      <a:alpha val="40000"/>
+                    </a:schemeClr>
+                  </a:glow>
+                </a:effectLst>
+              </a:rPr>
+              <a:t>苦労した点</a:t>
+            </a:r>
+            <a:endParaRPr lang="ja-JP" altLang="en-US" dirty="0">
+              <a:effectLst>
+                <a:glow rad="228600">
+                  <a:schemeClr val="accent5">
+                    <a:satMod val="175000"/>
+                    <a:alpha val="40000"/>
+                  </a:schemeClr>
+                </a:glow>
+              </a:effectLst>
+            </a:endParaRPr>
+          </a:p>
+        </p:txBody>
+      </p:sp>
+      <p:graphicFrame>
+        <p:nvGraphicFramePr>
+          <p:cNvPr id="3" name="表 2"/>
+          <p:cNvGraphicFramePr>
+            <a:graphicFrameLocks noGrp="1"/>
+          </p:cNvGraphicFramePr>
+          <p:nvPr>
+            <p:extLst>
+              <p:ext uri="{D42A27DB-BD31-4B8C-83A1-F6EECF244321}">
+                <p14:modId xmlns:p14="http://schemas.microsoft.com/office/powerpoint/2010/main" val="1248644205"/>
+              </p:ext>
+            </p:extLst>
+          </p:nvPr>
+        </p:nvGraphicFramePr>
+        <p:xfrm>
+          <a:off x="1018309" y="1873250"/>
+          <a:ext cx="10151918" cy="4371685"/>
+        </p:xfrm>
+        <a:graphic>
+          <a:graphicData uri="http://schemas.openxmlformats.org/drawingml/2006/table">
+            <a:tbl>
+              <a:tblPr firstRow="1" bandRow="1">
+                <a:tableStyleId>{5C22544A-7EE6-4342-B048-85BDC9FD1C3A}</a:tableStyleId>
+              </a:tblPr>
+              <a:tblGrid>
+                <a:gridCol w="10151918"/>
+              </a:tblGrid>
+              <a:tr h="4371685">
+                <a:tc>
+                  <a:txBody>
+                    <a:bodyPr/>
+                    <a:lstStyle/>
+                    <a:p>
+                      <a:pPr marL="0" indent="0">
+                        <a:buFont typeface="Arial" panose="020B0604020202020204" pitchFamily="34" charset="0"/>
+                        <a:buNone/>
+                      </a:pPr>
+                      <a:r>
+                        <a:rPr kumimoji="1" lang="ja-JP" altLang="en-US" sz="4400" dirty="0" smtClean="0">
+                          <a:solidFill>
+                            <a:schemeClr val="tx1"/>
+                          </a:solidFill>
+                        </a:rPr>
+                        <a:t>◇</a:t>
+                      </a:r>
+                      <a:r>
+                        <a:rPr kumimoji="1" lang="en-US" altLang="ja-JP" sz="4400" dirty="0" err="1" smtClean="0">
+                          <a:solidFill>
+                            <a:schemeClr val="tx1"/>
+                          </a:solidFill>
+                        </a:rPr>
+                        <a:t>Git</a:t>
+                      </a:r>
+                      <a:r>
+                        <a:rPr kumimoji="1" lang="ja-JP" altLang="en-US" sz="4400" dirty="0" smtClean="0">
+                          <a:solidFill>
+                            <a:schemeClr val="tx1"/>
+                          </a:solidFill>
+                        </a:rPr>
+                        <a:t>管理</a:t>
+                      </a:r>
+                      <a:endParaRPr kumimoji="1" lang="en-US" altLang="ja-JP" sz="4400" dirty="0" smtClean="0">
+                        <a:solidFill>
+                          <a:schemeClr val="tx1"/>
+                        </a:solidFill>
+                      </a:endParaRPr>
+                    </a:p>
+                    <a:p>
+                      <a:pPr marL="0" indent="0">
+                        <a:buFont typeface="Arial" panose="020B0604020202020204" pitchFamily="34" charset="0"/>
+                        <a:buNone/>
+                      </a:pPr>
+                      <a:r>
+                        <a:rPr kumimoji="1" lang="ja-JP" altLang="en-US" sz="3200" dirty="0" smtClean="0">
+                          <a:solidFill>
+                            <a:schemeClr val="tx1"/>
+                          </a:solidFill>
+                        </a:rPr>
+                        <a:t>　</a:t>
+                      </a:r>
+                      <a:r>
+                        <a:rPr kumimoji="1" lang="en-US" altLang="ja-JP" sz="3200" dirty="0" smtClean="0">
+                          <a:solidFill>
+                            <a:schemeClr val="tx1"/>
+                          </a:solidFill>
+                        </a:rPr>
+                        <a:t>L</a:t>
+                      </a:r>
+                      <a:r>
+                        <a:rPr kumimoji="1" lang="ja-JP" altLang="en-US" sz="3200" dirty="0" smtClean="0">
+                          <a:solidFill>
+                            <a:schemeClr val="tx1"/>
+                          </a:solidFill>
+                        </a:rPr>
+                        <a:t>ソースツリーの使い方、</a:t>
+                      </a:r>
+                      <a:r>
+                        <a:rPr kumimoji="1" lang="ja-JP" altLang="en-US" sz="3200" dirty="0" smtClean="0">
+                          <a:solidFill>
+                            <a:srgbClr val="FF0000"/>
+                          </a:solidFill>
+                        </a:rPr>
+                        <a:t>コンフリクト</a:t>
+                      </a:r>
+                      <a:endParaRPr kumimoji="1" lang="en-US" altLang="ja-JP" sz="3200" dirty="0" smtClean="0">
+                        <a:solidFill>
+                          <a:srgbClr val="FF0000"/>
+                        </a:solidFill>
+                      </a:endParaRPr>
+                    </a:p>
+                    <a:p>
+                      <a:pPr marL="0" indent="0">
+                        <a:buFont typeface="Arial" panose="020B0604020202020204" pitchFamily="34" charset="0"/>
+                        <a:buNone/>
+                      </a:pPr>
+                      <a:endParaRPr kumimoji="1" lang="en-US" altLang="ja-JP" sz="4400" dirty="0" smtClean="0">
+                        <a:solidFill>
+                          <a:schemeClr val="tx1"/>
+                        </a:solidFill>
+                      </a:endParaRPr>
+                    </a:p>
+                    <a:p>
+                      <a:pPr marL="0" indent="0">
+                        <a:buFont typeface="Arial" panose="020B0604020202020204" pitchFamily="34" charset="0"/>
+                        <a:buNone/>
+                      </a:pPr>
+                      <a:r>
+                        <a:rPr kumimoji="1" lang="ja-JP" altLang="en-US" sz="4400" dirty="0" smtClean="0">
+                          <a:solidFill>
+                            <a:schemeClr val="tx1"/>
+                          </a:solidFill>
+                        </a:rPr>
+                        <a:t>◇コミュニケーション</a:t>
+                      </a:r>
+                      <a:endParaRPr kumimoji="1" lang="en-US" altLang="ja-JP" sz="4400" dirty="0" smtClean="0">
+                        <a:solidFill>
+                          <a:schemeClr val="tx1"/>
+                        </a:solidFill>
+                      </a:endParaRPr>
+                    </a:p>
+                    <a:p>
+                      <a:pPr marL="0" indent="0">
+                        <a:buFont typeface="Arial" panose="020B0604020202020204" pitchFamily="34" charset="0"/>
+                        <a:buNone/>
+                      </a:pPr>
+                      <a:r>
+                        <a:rPr kumimoji="1" lang="en-US" altLang="ja-JP" sz="3200" dirty="0" smtClean="0">
+                          <a:solidFill>
+                            <a:schemeClr val="tx1"/>
+                          </a:solidFill>
+                        </a:rPr>
+                        <a:t>  </a:t>
+                      </a:r>
+                      <a:r>
+                        <a:rPr kumimoji="1" lang="en-US" altLang="ja-JP" sz="3200" dirty="0" smtClean="0">
+                          <a:solidFill>
+                            <a:schemeClr val="tx1"/>
+                          </a:solidFill>
+                          <a:latin typeface="+mn-ea"/>
+                          <a:ea typeface="+mn-ea"/>
+                        </a:rPr>
+                        <a:t>L</a:t>
+                      </a:r>
+                      <a:r>
+                        <a:rPr kumimoji="1" lang="ja-JP" altLang="en-US" sz="3200" dirty="0" smtClean="0">
+                          <a:solidFill>
+                            <a:srgbClr val="FF0000"/>
+                          </a:solidFill>
+                          <a:latin typeface="+mn-ea"/>
+                          <a:ea typeface="+mn-ea"/>
+                        </a:rPr>
+                        <a:t>ほうれんそう</a:t>
+                      </a:r>
+                      <a:r>
+                        <a:rPr kumimoji="1" lang="ja-JP" altLang="en-US" sz="3200" dirty="0" smtClean="0">
+                          <a:solidFill>
+                            <a:schemeClr val="tx1"/>
+                          </a:solidFill>
+                          <a:latin typeface="+mn-ea"/>
+                          <a:ea typeface="+mn-ea"/>
+                        </a:rPr>
+                        <a:t>（報告</a:t>
+                      </a:r>
+                      <a:r>
+                        <a:rPr kumimoji="1" lang="en-US" altLang="ja-JP" sz="3200" dirty="0" smtClean="0">
+                          <a:solidFill>
+                            <a:schemeClr val="tx1"/>
+                          </a:solidFill>
+                          <a:latin typeface="+mn-ea"/>
+                          <a:ea typeface="+mn-ea"/>
+                        </a:rPr>
+                        <a:t>,</a:t>
+                      </a:r>
+                      <a:r>
+                        <a:rPr kumimoji="1" lang="ja-JP" altLang="en-US" sz="3200" dirty="0" smtClean="0">
+                          <a:solidFill>
+                            <a:schemeClr val="tx1"/>
+                          </a:solidFill>
+                          <a:latin typeface="+mn-ea"/>
+                          <a:ea typeface="+mn-ea"/>
+                        </a:rPr>
+                        <a:t>連絡</a:t>
+                      </a:r>
+                      <a:r>
+                        <a:rPr kumimoji="1" lang="en-US" altLang="ja-JP" sz="3200" dirty="0" smtClean="0">
+                          <a:solidFill>
+                            <a:schemeClr val="tx1"/>
+                          </a:solidFill>
+                          <a:latin typeface="+mn-ea"/>
+                          <a:ea typeface="+mn-ea"/>
+                        </a:rPr>
+                        <a:t>,</a:t>
+                      </a:r>
+                      <a:r>
+                        <a:rPr kumimoji="1" lang="ja-JP" altLang="en-US" sz="3200" dirty="0" smtClean="0">
+                          <a:solidFill>
+                            <a:schemeClr val="tx1"/>
+                          </a:solidFill>
+                          <a:latin typeface="+mn-ea"/>
+                          <a:ea typeface="+mn-ea"/>
+                        </a:rPr>
+                        <a:t>相談）</a:t>
+                      </a:r>
+                      <a:endParaRPr kumimoji="1" lang="en-US" altLang="ja-JP" sz="3200" dirty="0" smtClean="0">
+                        <a:solidFill>
+                          <a:schemeClr val="tx1"/>
+                        </a:solidFill>
+                        <a:latin typeface="+mn-ea"/>
+                        <a:ea typeface="+mn-ea"/>
+                      </a:endParaRPr>
+                    </a:p>
+                    <a:p>
+                      <a:pPr marL="0" indent="0">
+                        <a:buFont typeface="Arial" panose="020B0604020202020204" pitchFamily="34" charset="0"/>
+                        <a:buNone/>
+                      </a:pPr>
+                      <a:r>
+                        <a:rPr kumimoji="1" lang="ja-JP" altLang="en-US" sz="3200" baseline="0" dirty="0" smtClean="0">
+                          <a:solidFill>
+                            <a:schemeClr val="tx1"/>
+                          </a:solidFill>
+                          <a:latin typeface="+mn-ea"/>
+                          <a:ea typeface="+mn-ea"/>
+                        </a:rPr>
+                        <a:t>  </a:t>
+                      </a:r>
+                      <a:r>
+                        <a:rPr kumimoji="1" lang="en-US" altLang="ja-JP" sz="3200" baseline="0" dirty="0" smtClean="0">
+                          <a:solidFill>
+                            <a:schemeClr val="tx1"/>
+                          </a:solidFill>
+                          <a:latin typeface="+mn-ea"/>
+                          <a:ea typeface="+mn-ea"/>
+                        </a:rPr>
+                        <a:t>L</a:t>
+                      </a:r>
+                      <a:r>
+                        <a:rPr kumimoji="1" lang="ja-JP" altLang="en-US" sz="3200" baseline="0" dirty="0" smtClean="0">
+                          <a:solidFill>
+                            <a:schemeClr val="tx1"/>
+                          </a:solidFill>
+                          <a:latin typeface="+mn-ea"/>
+                          <a:ea typeface="+mn-ea"/>
+                        </a:rPr>
+                        <a:t>アイディア出し</a:t>
+                      </a:r>
+                      <a:endParaRPr kumimoji="1" lang="ja-JP" altLang="en-US" sz="3200" dirty="0">
+                        <a:solidFill>
+                          <a:schemeClr val="tx1"/>
+                        </a:solidFill>
+                        <a:latin typeface="+mn-ea"/>
+                        <a:ea typeface="+mn-ea"/>
+                      </a:endParaRPr>
+                    </a:p>
+                  </a:txBody>
+                  <a:tcPr>
+                    <a:solidFill>
+                      <a:schemeClr val="accent1">
+                        <a:lumMod val="40000"/>
+                        <a:lumOff val="60000"/>
+                      </a:schemeClr>
+                    </a:solidFill>
+                  </a:tcPr>
+                </a:tc>
+              </a:tr>
+            </a:tbl>
+          </a:graphicData>
+        </a:graphic>
+      </p:graphicFrame>
+    </p:spTree>
+    <p:extLst>
+      <p:ext uri="{BB962C8B-B14F-4D97-AF65-F5344CB8AC3E}">
+        <p14:creationId xmlns:p14="http://schemas.microsoft.com/office/powerpoint/2010/main" val="3361709199"/>
+      </p:ext>
+    </p:extLst>
+  </p:cSld>
+  <p:clrMapOvr>
+    <a:masterClrMapping/>
+  </p:clrMapOvr>
+  <p:timing>
+    <p:tnLst>
+      <p:par>
+        <p:cTn id="1" dur="indefinite" restart="never" nodeType="tmRoot"/>
+      </p:par>
+    </p:tnLst>
+  </p:timing>
+</p:sld>
+</file>
+
+<file path=ppt/slides/slide9.xml><?xml version="1.0" encoding="utf-8"?>
 <p:sld xmlns:a="http://schemas.openxmlformats.org/drawingml/2006/main" xmlns:r="http://schemas.openxmlformats.org/officeDocument/2006/relationships" xmlns:p="http://schemas.openxmlformats.org/presentationml/2006/main">
   <p:cSld>
     <p:spTree>
